--- a/MLAI mini project.pptx
+++ b/MLAI mini project.pptx
@@ -8,10 +8,16 @@
     <p:sldId id="256" r:id="rId2"/>
     <p:sldId id="259" r:id="rId3"/>
     <p:sldId id="258" r:id="rId4"/>
-    <p:sldId id="257" r:id="rId5"/>
-    <p:sldId id="260" r:id="rId6"/>
-    <p:sldId id="261" r:id="rId7"/>
-    <p:sldId id="262" r:id="rId8"/>
+    <p:sldId id="267" r:id="rId5"/>
+    <p:sldId id="257" r:id="rId6"/>
+    <p:sldId id="260" r:id="rId7"/>
+    <p:sldId id="269" r:id="rId8"/>
+    <p:sldId id="262" r:id="rId9"/>
+    <p:sldId id="263" r:id="rId10"/>
+    <p:sldId id="266" r:id="rId11"/>
+    <p:sldId id="264" r:id="rId12"/>
+    <p:sldId id="268" r:id="rId13"/>
+    <p:sldId id="261" r:id="rId14"/>
   </p:sldIdLst>
   <p:sldSz cx="12192000" cy="6858000"/>
   <p:notesSz cx="6858000" cy="9144000"/>
@@ -267,7 +273,7 @@
           <a:p>
             <a:fld id="{A2872D0C-785B-4C85-98CF-0770683F3808}" type="datetimeFigureOut">
               <a:rPr lang="en-SG" smtClean="0"/>
-              <a:t>27/6/2021</a:t>
+              <a:t>28/6/2021</a:t>
             </a:fld>
             <a:endParaRPr lang="en-SG"/>
           </a:p>
@@ -467,7 +473,7 @@
           <a:p>
             <a:fld id="{A2872D0C-785B-4C85-98CF-0770683F3808}" type="datetimeFigureOut">
               <a:rPr lang="en-SG" smtClean="0"/>
-              <a:t>27/6/2021</a:t>
+              <a:t>28/6/2021</a:t>
             </a:fld>
             <a:endParaRPr lang="en-SG"/>
           </a:p>
@@ -677,7 +683,7 @@
           <a:p>
             <a:fld id="{A2872D0C-785B-4C85-98CF-0770683F3808}" type="datetimeFigureOut">
               <a:rPr lang="en-SG" smtClean="0"/>
-              <a:t>27/6/2021</a:t>
+              <a:t>28/6/2021</a:t>
             </a:fld>
             <a:endParaRPr lang="en-SG"/>
           </a:p>
@@ -877,7 +883,7 @@
           <a:p>
             <a:fld id="{A2872D0C-785B-4C85-98CF-0770683F3808}" type="datetimeFigureOut">
               <a:rPr lang="en-SG" smtClean="0"/>
-              <a:t>27/6/2021</a:t>
+              <a:t>28/6/2021</a:t>
             </a:fld>
             <a:endParaRPr lang="en-SG"/>
           </a:p>
@@ -1153,7 +1159,7 @@
           <a:p>
             <a:fld id="{A2872D0C-785B-4C85-98CF-0770683F3808}" type="datetimeFigureOut">
               <a:rPr lang="en-SG" smtClean="0"/>
-              <a:t>27/6/2021</a:t>
+              <a:t>28/6/2021</a:t>
             </a:fld>
             <a:endParaRPr lang="en-SG"/>
           </a:p>
@@ -1421,7 +1427,7 @@
           <a:p>
             <a:fld id="{A2872D0C-785B-4C85-98CF-0770683F3808}" type="datetimeFigureOut">
               <a:rPr lang="en-SG" smtClean="0"/>
-              <a:t>27/6/2021</a:t>
+              <a:t>28/6/2021</a:t>
             </a:fld>
             <a:endParaRPr lang="en-SG"/>
           </a:p>
@@ -1836,7 +1842,7 @@
           <a:p>
             <a:fld id="{A2872D0C-785B-4C85-98CF-0770683F3808}" type="datetimeFigureOut">
               <a:rPr lang="en-SG" smtClean="0"/>
-              <a:t>27/6/2021</a:t>
+              <a:t>28/6/2021</a:t>
             </a:fld>
             <a:endParaRPr lang="en-SG"/>
           </a:p>
@@ -1978,7 +1984,7 @@
           <a:p>
             <a:fld id="{A2872D0C-785B-4C85-98CF-0770683F3808}" type="datetimeFigureOut">
               <a:rPr lang="en-SG" smtClean="0"/>
-              <a:t>27/6/2021</a:t>
+              <a:t>28/6/2021</a:t>
             </a:fld>
             <a:endParaRPr lang="en-SG"/>
           </a:p>
@@ -2091,7 +2097,7 @@
           <a:p>
             <a:fld id="{A2872D0C-785B-4C85-98CF-0770683F3808}" type="datetimeFigureOut">
               <a:rPr lang="en-SG" smtClean="0"/>
-              <a:t>27/6/2021</a:t>
+              <a:t>28/6/2021</a:t>
             </a:fld>
             <a:endParaRPr lang="en-SG"/>
           </a:p>
@@ -2404,7 +2410,7 @@
           <a:p>
             <a:fld id="{A2872D0C-785B-4C85-98CF-0770683F3808}" type="datetimeFigureOut">
               <a:rPr lang="en-SG" smtClean="0"/>
-              <a:t>27/6/2021</a:t>
+              <a:t>28/6/2021</a:t>
             </a:fld>
             <a:endParaRPr lang="en-SG"/>
           </a:p>
@@ -2693,7 +2699,7 @@
           <a:p>
             <a:fld id="{A2872D0C-785B-4C85-98CF-0770683F3808}" type="datetimeFigureOut">
               <a:rPr lang="en-SG" smtClean="0"/>
-              <a:t>27/6/2021</a:t>
+              <a:t>28/6/2021</a:t>
             </a:fld>
             <a:endParaRPr lang="en-SG"/>
           </a:p>
@@ -2936,7 +2942,7 @@
           <a:p>
             <a:fld id="{A2872D0C-785B-4C85-98CF-0770683F3808}" type="datetimeFigureOut">
               <a:rPr lang="en-SG" smtClean="0"/>
-              <a:t>27/6/2021</a:t>
+              <a:t>28/6/2021</a:t>
             </a:fld>
             <a:endParaRPr lang="en-SG"/>
           </a:p>
@@ -3428,6 +3434,1989 @@
 </p:sld>
 </file>
 
+<file path=ppt/slides/slide10.xml><?xml version="1.0" encoding="utf-8"?>
+<p:sld xmlns:a="http://schemas.openxmlformats.org/drawingml/2006/main" xmlns:r="http://schemas.openxmlformats.org/officeDocument/2006/relationships" xmlns:p="http://schemas.openxmlformats.org/presentationml/2006/main">
+  <p:cSld>
+    <p:spTree>
+      <p:nvGrpSpPr>
+        <p:cNvPr id="1" name=""/>
+        <p:cNvGrpSpPr/>
+        <p:nvPr/>
+      </p:nvGrpSpPr>
+      <p:grpSpPr>
+        <a:xfrm>
+          <a:off x="0" y="0"/>
+          <a:ext cx="0" cy="0"/>
+          <a:chOff x="0" y="0"/>
+          <a:chExt cx="0" cy="0"/>
+        </a:xfrm>
+      </p:grpSpPr>
+      <p:sp>
+        <p:nvSpPr>
+          <p:cNvPr id="2" name="Title 1">
+            <a:extLst>
+              <a:ext uri="{FF2B5EF4-FFF2-40B4-BE49-F238E27FC236}">
+                <a16:creationId xmlns:a16="http://schemas.microsoft.com/office/drawing/2014/main" id="{A7DA3BAE-6D02-46EC-8BEC-1C6B46594D4C}"/>
+              </a:ext>
+            </a:extLst>
+          </p:cNvPr>
+          <p:cNvSpPr>
+            <a:spLocks noGrp="1"/>
+          </p:cNvSpPr>
+          <p:nvPr>
+            <p:ph type="title"/>
+          </p:nvPr>
+        </p:nvSpPr>
+        <p:spPr>
+          <a:xfrm>
+            <a:off x="838200" y="78249"/>
+            <a:ext cx="10515600" cy="1325563"/>
+          </a:xfrm>
+        </p:spPr>
+        <p:txBody>
+          <a:bodyPr/>
+          <a:lstStyle/>
+          <a:p>
+            <a:pPr algn="ctr"/>
+            <a:r>
+              <a:rPr lang="en-SG" dirty="0"/>
+              <a:t>CN345</a:t>
+            </a:r>
+            <a:r>
+              <a:rPr lang="en-US" altLang="zh-CN" dirty="0"/>
+              <a:t> </a:t>
+            </a:r>
+            <a:r>
+              <a:rPr lang="zh-CN" altLang="en-US" dirty="0">
+                <a:latin typeface="+mn-lt"/>
+              </a:rPr>
+              <a:t>希薇娅</a:t>
+            </a:r>
+            <a:r>
+              <a:rPr lang="en-SG" dirty="0"/>
+              <a:t> TI </a:t>
+            </a:r>
+            <a:r>
+              <a:rPr lang="en-SG" dirty="0" err="1"/>
+              <a:t>EfficientNet</a:t>
+            </a:r>
+            <a:r>
+              <a:rPr lang="en-SG" dirty="0"/>
+              <a:t> Variants</a:t>
+            </a:r>
+          </a:p>
+        </p:txBody>
+      </p:sp>
+      <p:pic>
+        <p:nvPicPr>
+          <p:cNvPr id="7" name="Picture 6">
+            <a:extLst>
+              <a:ext uri="{FF2B5EF4-FFF2-40B4-BE49-F238E27FC236}">
+                <a16:creationId xmlns:a16="http://schemas.microsoft.com/office/drawing/2014/main" id="{A572CB0B-E752-48D8-B35E-A5B62B057B78}"/>
+              </a:ext>
+            </a:extLst>
+          </p:cNvPr>
+          <p:cNvPicPr>
+            <a:picLocks noChangeAspect="1"/>
+          </p:cNvPicPr>
+          <p:nvPr/>
+        </p:nvPicPr>
+        <p:blipFill>
+          <a:blip r:embed="rId2"/>
+          <a:stretch>
+            <a:fillRect/>
+          </a:stretch>
+        </p:blipFill>
+        <p:spPr>
+          <a:xfrm>
+            <a:off x="3735203" y="3827702"/>
+            <a:ext cx="3529633" cy="2422810"/>
+          </a:xfrm>
+          <a:prstGeom prst="rect">
+            <a:avLst/>
+          </a:prstGeom>
+        </p:spPr>
+      </p:pic>
+      <p:pic>
+        <p:nvPicPr>
+          <p:cNvPr id="11" name="Picture 10">
+            <a:extLst>
+              <a:ext uri="{FF2B5EF4-FFF2-40B4-BE49-F238E27FC236}">
+                <a16:creationId xmlns:a16="http://schemas.microsoft.com/office/drawing/2014/main" id="{413A973C-4813-4C7B-A7C3-521C2FAD1BB3}"/>
+              </a:ext>
+            </a:extLst>
+          </p:cNvPr>
+          <p:cNvPicPr>
+            <a:picLocks noChangeAspect="1"/>
+          </p:cNvPicPr>
+          <p:nvPr/>
+        </p:nvPicPr>
+        <p:blipFill>
+          <a:blip r:embed="rId3"/>
+          <a:stretch>
+            <a:fillRect/>
+          </a:stretch>
+        </p:blipFill>
+        <p:spPr>
+          <a:xfrm>
+            <a:off x="3735203" y="1403812"/>
+            <a:ext cx="3470174" cy="2423890"/>
+          </a:xfrm>
+          <a:prstGeom prst="rect">
+            <a:avLst/>
+          </a:prstGeom>
+        </p:spPr>
+      </p:pic>
+      <p:pic>
+        <p:nvPicPr>
+          <p:cNvPr id="13" name="Picture 12">
+            <a:extLst>
+              <a:ext uri="{FF2B5EF4-FFF2-40B4-BE49-F238E27FC236}">
+                <a16:creationId xmlns:a16="http://schemas.microsoft.com/office/drawing/2014/main" id="{243B3DDF-9A69-458F-8244-DD7B4C52D05D}"/>
+              </a:ext>
+            </a:extLst>
+          </p:cNvPr>
+          <p:cNvPicPr>
+            <a:picLocks noChangeAspect="1"/>
+          </p:cNvPicPr>
+          <p:nvPr/>
+        </p:nvPicPr>
+        <p:blipFill>
+          <a:blip r:embed="rId4"/>
+          <a:stretch>
+            <a:fillRect/>
+          </a:stretch>
+        </p:blipFill>
+        <p:spPr>
+          <a:xfrm>
+            <a:off x="91966" y="3831173"/>
+            <a:ext cx="3529634" cy="2422811"/>
+          </a:xfrm>
+          <a:prstGeom prst="rect">
+            <a:avLst/>
+          </a:prstGeom>
+        </p:spPr>
+      </p:pic>
+      <p:pic>
+        <p:nvPicPr>
+          <p:cNvPr id="5" name="Content Placeholder 4">
+            <a:extLst>
+              <a:ext uri="{FF2B5EF4-FFF2-40B4-BE49-F238E27FC236}">
+                <a16:creationId xmlns:a16="http://schemas.microsoft.com/office/drawing/2014/main" id="{6B1A87D5-D4BE-44B3-99BE-837A0B6E9BAD}"/>
+              </a:ext>
+            </a:extLst>
+          </p:cNvPr>
+          <p:cNvPicPr>
+            <a:picLocks noGrp="1" noChangeAspect="1"/>
+          </p:cNvPicPr>
+          <p:nvPr>
+            <p:ph idx="1"/>
+          </p:nvPr>
+        </p:nvPicPr>
+        <p:blipFill>
+          <a:blip r:embed="rId5"/>
+          <a:stretch>
+            <a:fillRect/>
+          </a:stretch>
+        </p:blipFill>
+        <p:spPr>
+          <a:xfrm>
+            <a:off x="151426" y="1407282"/>
+            <a:ext cx="3470174" cy="2423891"/>
+          </a:xfrm>
+        </p:spPr>
+      </p:pic>
+      <p:sp>
+        <p:nvSpPr>
+          <p:cNvPr id="14" name="TextBox 13">
+            <a:extLst>
+              <a:ext uri="{FF2B5EF4-FFF2-40B4-BE49-F238E27FC236}">
+                <a16:creationId xmlns:a16="http://schemas.microsoft.com/office/drawing/2014/main" id="{B76EB0D5-93D8-42F0-99CA-7C40B8CFE548}"/>
+              </a:ext>
+            </a:extLst>
+          </p:cNvPr>
+          <p:cNvSpPr txBox="1"/>
+          <p:nvPr/>
+        </p:nvSpPr>
+        <p:spPr>
+          <a:xfrm>
+            <a:off x="7378439" y="2615757"/>
+            <a:ext cx="4662135" cy="2308324"/>
+          </a:xfrm>
+          <a:prstGeom prst="rect">
+            <a:avLst/>
+          </a:prstGeom>
+          <a:noFill/>
+        </p:spPr>
+        <p:txBody>
+          <a:bodyPr wrap="square" rtlCol="0">
+            <a:spAutoFit/>
+          </a:bodyPr>
+          <a:lstStyle/>
+          <a:p>
+            <a:r>
+              <a:rPr lang="en-SG" dirty="0"/>
+              <a:t>As seen from the graphs, for some reason values for validation is always stuck at 0.100 and the values for train is all over the place and does not seem to make any sense whatsoever.</a:t>
+            </a:r>
+          </a:p>
+          <a:p>
+            <a:endParaRPr lang="en-SG" dirty="0"/>
+          </a:p>
+          <a:p>
+            <a:r>
+              <a:rPr lang="en-SG" dirty="0"/>
+              <a:t>Modification to the code has been made numerous times however results remain similar to the graphs shown here.</a:t>
+            </a:r>
+          </a:p>
+        </p:txBody>
+      </p:sp>
+      <p:sp>
+        <p:nvSpPr>
+          <p:cNvPr id="15" name="TextBox 14">
+            <a:extLst>
+              <a:ext uri="{FF2B5EF4-FFF2-40B4-BE49-F238E27FC236}">
+                <a16:creationId xmlns:a16="http://schemas.microsoft.com/office/drawing/2014/main" id="{93486E9D-9CE4-4333-8AAD-DEA998081BB4}"/>
+              </a:ext>
+            </a:extLst>
+          </p:cNvPr>
+          <p:cNvSpPr txBox="1"/>
+          <p:nvPr/>
+        </p:nvSpPr>
+        <p:spPr>
+          <a:xfrm>
+            <a:off x="7378440" y="5304299"/>
+            <a:ext cx="4662134" cy="646331"/>
+          </a:xfrm>
+          <a:prstGeom prst="rect">
+            <a:avLst/>
+          </a:prstGeom>
+          <a:noFill/>
+        </p:spPr>
+        <p:txBody>
+          <a:bodyPr wrap="square" rtlCol="0">
+            <a:spAutoFit/>
+          </a:bodyPr>
+          <a:lstStyle/>
+          <a:p>
+            <a:r>
+              <a:rPr lang="en-SG" dirty="0"/>
+              <a:t>CN345</a:t>
+            </a:r>
+            <a:r>
+              <a:rPr lang="en-US" altLang="zh-CN" dirty="0"/>
+              <a:t> </a:t>
+            </a:r>
+            <a:r>
+              <a:rPr lang="zh-CN" altLang="en-US" dirty="0">
+                <a:latin typeface="+mn-lt"/>
+              </a:rPr>
+              <a:t>希薇娅</a:t>
+            </a:r>
+            <a:r>
+              <a:rPr lang="en-SG" dirty="0"/>
+              <a:t> TI </a:t>
+            </a:r>
+            <a:r>
+              <a:rPr lang="en-SG" dirty="0" err="1"/>
+              <a:t>EfficientNet</a:t>
+            </a:r>
+            <a:r>
+              <a:rPr lang="en-SG" dirty="0"/>
+              <a:t> Variants use the same dataset as CN345</a:t>
+            </a:r>
+            <a:r>
+              <a:rPr lang="en-US" altLang="zh-CN" dirty="0"/>
+              <a:t> </a:t>
+            </a:r>
+            <a:r>
+              <a:rPr lang="zh-CN" altLang="en-US" dirty="0">
+                <a:latin typeface="+mn-lt"/>
+              </a:rPr>
+              <a:t>希薇娅</a:t>
+            </a:r>
+            <a:r>
+              <a:rPr lang="en-SG" dirty="0"/>
+              <a:t> TI (InceptionV3)</a:t>
+            </a:r>
+          </a:p>
+        </p:txBody>
+      </p:sp>
+      <p:sp>
+        <p:nvSpPr>
+          <p:cNvPr id="9" name="TextBox 8">
+            <a:extLst>
+              <a:ext uri="{FF2B5EF4-FFF2-40B4-BE49-F238E27FC236}">
+                <a16:creationId xmlns:a16="http://schemas.microsoft.com/office/drawing/2014/main" id="{8FF85519-9624-49E0-9540-8A1FF12FDB5E}"/>
+              </a:ext>
+            </a:extLst>
+          </p:cNvPr>
+          <p:cNvSpPr txBox="1"/>
+          <p:nvPr/>
+        </p:nvSpPr>
+        <p:spPr>
+          <a:xfrm>
+            <a:off x="7378439" y="1549717"/>
+            <a:ext cx="4662134" cy="646331"/>
+          </a:xfrm>
+          <a:prstGeom prst="rect">
+            <a:avLst/>
+          </a:prstGeom>
+          <a:noFill/>
+        </p:spPr>
+        <p:txBody>
+          <a:bodyPr wrap="square" rtlCol="0">
+            <a:spAutoFit/>
+          </a:bodyPr>
+          <a:lstStyle/>
+          <a:p>
+            <a:r>
+              <a:rPr lang="en-SG" dirty="0"/>
+              <a:t>CN345</a:t>
+            </a:r>
+            <a:r>
+              <a:rPr lang="en-US" altLang="zh-CN" dirty="0"/>
+              <a:t> </a:t>
+            </a:r>
+            <a:r>
+              <a:rPr lang="zh-CN" altLang="en-US" dirty="0">
+                <a:latin typeface="+mn-lt"/>
+              </a:rPr>
+              <a:t>希薇娅</a:t>
+            </a:r>
+            <a:r>
+              <a:rPr lang="en-SG" dirty="0"/>
+              <a:t> TI </a:t>
+            </a:r>
+            <a:r>
+              <a:rPr lang="en-SG" dirty="0" err="1"/>
+              <a:t>EfficientNet</a:t>
+            </a:r>
+            <a:r>
+              <a:rPr lang="en-SG" dirty="0"/>
+              <a:t> Variants is an experimental project used to test frameworks</a:t>
+            </a:r>
+          </a:p>
+        </p:txBody>
+      </p:sp>
+    </p:spTree>
+    <p:extLst>
+      <p:ext uri="{BB962C8B-B14F-4D97-AF65-F5344CB8AC3E}">
+        <p14:creationId xmlns:p14="http://schemas.microsoft.com/office/powerpoint/2010/main" val="2912108505"/>
+      </p:ext>
+    </p:extLst>
+  </p:cSld>
+  <p:clrMapOvr>
+    <a:masterClrMapping/>
+  </p:clrMapOvr>
+</p:sld>
+</file>
+
+<file path=ppt/slides/slide11.xml><?xml version="1.0" encoding="utf-8"?>
+<p:sld xmlns:a="http://schemas.openxmlformats.org/drawingml/2006/main" xmlns:r="http://schemas.openxmlformats.org/officeDocument/2006/relationships" xmlns:p="http://schemas.openxmlformats.org/presentationml/2006/main">
+  <p:cSld>
+    <p:spTree>
+      <p:nvGrpSpPr>
+        <p:cNvPr id="1" name=""/>
+        <p:cNvGrpSpPr/>
+        <p:nvPr/>
+      </p:nvGrpSpPr>
+      <p:grpSpPr>
+        <a:xfrm>
+          <a:off x="0" y="0"/>
+          <a:ext cx="0" cy="0"/>
+          <a:chOff x="0" y="0"/>
+          <a:chExt cx="0" cy="0"/>
+        </a:xfrm>
+      </p:grpSpPr>
+      <p:sp>
+        <p:nvSpPr>
+          <p:cNvPr id="2" name="Title 1">
+            <a:extLst>
+              <a:ext uri="{FF2B5EF4-FFF2-40B4-BE49-F238E27FC236}">
+                <a16:creationId xmlns:a16="http://schemas.microsoft.com/office/drawing/2014/main" id="{A7DA3BAE-6D02-46EC-8BEC-1C6B46594D4C}"/>
+              </a:ext>
+            </a:extLst>
+          </p:cNvPr>
+          <p:cNvSpPr>
+            <a:spLocks noGrp="1"/>
+          </p:cNvSpPr>
+          <p:nvPr>
+            <p:ph type="title"/>
+          </p:nvPr>
+        </p:nvSpPr>
+        <p:spPr>
+          <a:xfrm>
+            <a:off x="838200" y="78249"/>
+            <a:ext cx="10515600" cy="1325563"/>
+          </a:xfrm>
+        </p:spPr>
+        <p:txBody>
+          <a:bodyPr/>
+          <a:lstStyle/>
+          <a:p>
+            <a:pPr algn="ctr"/>
+            <a:r>
+              <a:rPr lang="en-SG" dirty="0"/>
+              <a:t>CN345</a:t>
+            </a:r>
+            <a:r>
+              <a:rPr lang="en-US" altLang="zh-CN" dirty="0"/>
+              <a:t> </a:t>
+            </a:r>
+            <a:r>
+              <a:rPr lang="en-SG" altLang="zh-CN" dirty="0"/>
+              <a:t>Auntie-DOT (InceptionV3)</a:t>
+            </a:r>
+            <a:endParaRPr lang="en-SG" dirty="0"/>
+          </a:p>
+        </p:txBody>
+      </p:sp>
+      <p:sp>
+        <p:nvSpPr>
+          <p:cNvPr id="14" name="TextBox 13">
+            <a:extLst>
+              <a:ext uri="{FF2B5EF4-FFF2-40B4-BE49-F238E27FC236}">
+                <a16:creationId xmlns:a16="http://schemas.microsoft.com/office/drawing/2014/main" id="{B76EB0D5-93D8-42F0-99CA-7C40B8CFE548}"/>
+              </a:ext>
+            </a:extLst>
+          </p:cNvPr>
+          <p:cNvSpPr txBox="1"/>
+          <p:nvPr/>
+        </p:nvSpPr>
+        <p:spPr>
+          <a:xfrm>
+            <a:off x="7378438" y="1510017"/>
+            <a:ext cx="4662135" cy="2031325"/>
+          </a:xfrm>
+          <a:prstGeom prst="rect">
+            <a:avLst/>
+          </a:prstGeom>
+          <a:noFill/>
+        </p:spPr>
+        <p:txBody>
+          <a:bodyPr wrap="square" rtlCol="0">
+            <a:spAutoFit/>
+          </a:bodyPr>
+          <a:lstStyle/>
+          <a:p>
+            <a:r>
+              <a:rPr lang="en-SG" dirty="0"/>
+              <a:t>As seen from the graphs, this variant is obviously overfitted and probably needs K-fold to solve this issue.</a:t>
+            </a:r>
+          </a:p>
+          <a:p>
+            <a:endParaRPr lang="en-SG" dirty="0"/>
+          </a:p>
+          <a:p>
+            <a:r>
+              <a:rPr lang="en-SG" dirty="0"/>
+              <a:t>Modification to the code has been made numerous times however results remain similar to the graphs shown here.</a:t>
+            </a:r>
+          </a:p>
+        </p:txBody>
+      </p:sp>
+      <p:sp>
+        <p:nvSpPr>
+          <p:cNvPr id="15" name="TextBox 14">
+            <a:extLst>
+              <a:ext uri="{FF2B5EF4-FFF2-40B4-BE49-F238E27FC236}">
+                <a16:creationId xmlns:a16="http://schemas.microsoft.com/office/drawing/2014/main" id="{93486E9D-9CE4-4333-8AAD-DEA998081BB4}"/>
+              </a:ext>
+            </a:extLst>
+          </p:cNvPr>
+          <p:cNvSpPr txBox="1"/>
+          <p:nvPr/>
+        </p:nvSpPr>
+        <p:spPr>
+          <a:xfrm>
+            <a:off x="7378439" y="4454554"/>
+            <a:ext cx="4662134" cy="646331"/>
+          </a:xfrm>
+          <a:prstGeom prst="rect">
+            <a:avLst/>
+          </a:prstGeom>
+          <a:noFill/>
+        </p:spPr>
+        <p:txBody>
+          <a:bodyPr wrap="square" rtlCol="0">
+            <a:spAutoFit/>
+          </a:bodyPr>
+          <a:lstStyle/>
+          <a:p>
+            <a:r>
+              <a:rPr lang="en-SG" dirty="0"/>
+              <a:t>CN345</a:t>
+            </a:r>
+            <a:r>
+              <a:rPr lang="en-US" altLang="zh-CN" dirty="0"/>
+              <a:t> </a:t>
+            </a:r>
+            <a:r>
+              <a:rPr lang="en-SG" altLang="zh-CN" dirty="0">
+                <a:latin typeface="+mn-lt"/>
+              </a:rPr>
+              <a:t>Auntie-DOT </a:t>
+            </a:r>
+            <a:r>
+              <a:rPr lang="en-SG" dirty="0"/>
+              <a:t>uses a different dataset from the CN345</a:t>
+            </a:r>
+            <a:r>
+              <a:rPr lang="en-US" altLang="zh-CN" dirty="0"/>
+              <a:t> </a:t>
+            </a:r>
+            <a:r>
+              <a:rPr lang="zh-CN" altLang="en-US" dirty="0">
+                <a:latin typeface="+mn-lt"/>
+              </a:rPr>
+              <a:t>希薇娅</a:t>
+            </a:r>
+            <a:r>
+              <a:rPr lang="en-SG" dirty="0"/>
+              <a:t> series</a:t>
+            </a:r>
+          </a:p>
+        </p:txBody>
+      </p:sp>
+      <p:pic>
+        <p:nvPicPr>
+          <p:cNvPr id="8" name="Picture 7">
+            <a:extLst>
+              <a:ext uri="{FF2B5EF4-FFF2-40B4-BE49-F238E27FC236}">
+                <a16:creationId xmlns:a16="http://schemas.microsoft.com/office/drawing/2014/main" id="{EA414D88-B5EE-49F9-A019-8E637A15C5CC}"/>
+              </a:ext>
+            </a:extLst>
+          </p:cNvPr>
+          <p:cNvPicPr>
+            <a:picLocks noChangeAspect="1"/>
+          </p:cNvPicPr>
+          <p:nvPr/>
+        </p:nvPicPr>
+        <p:blipFill>
+          <a:blip r:embed="rId2"/>
+          <a:stretch>
+            <a:fillRect/>
+          </a:stretch>
+        </p:blipFill>
+        <p:spPr>
+          <a:xfrm>
+            <a:off x="257552" y="1404890"/>
+            <a:ext cx="3364048" cy="2422812"/>
+          </a:xfrm>
+          <a:prstGeom prst="rect">
+            <a:avLst/>
+          </a:prstGeom>
+        </p:spPr>
+      </p:pic>
+      <p:pic>
+        <p:nvPicPr>
+          <p:cNvPr id="10" name="Picture 9">
+            <a:extLst>
+              <a:ext uri="{FF2B5EF4-FFF2-40B4-BE49-F238E27FC236}">
+                <a16:creationId xmlns:a16="http://schemas.microsoft.com/office/drawing/2014/main" id="{75A93E64-2262-4FCB-AD05-6766EA2695D4}"/>
+              </a:ext>
+            </a:extLst>
+          </p:cNvPr>
+          <p:cNvPicPr>
+            <a:picLocks noChangeAspect="1"/>
+          </p:cNvPicPr>
+          <p:nvPr/>
+        </p:nvPicPr>
+        <p:blipFill>
+          <a:blip r:embed="rId3"/>
+          <a:stretch>
+            <a:fillRect/>
+          </a:stretch>
+        </p:blipFill>
+        <p:spPr>
+          <a:xfrm>
+            <a:off x="3817996" y="1395530"/>
+            <a:ext cx="3364046" cy="2422811"/>
+          </a:xfrm>
+          <a:prstGeom prst="rect">
+            <a:avLst/>
+          </a:prstGeom>
+        </p:spPr>
+      </p:pic>
+      <p:pic>
+        <p:nvPicPr>
+          <p:cNvPr id="16" name="Picture 15">
+            <a:extLst>
+              <a:ext uri="{FF2B5EF4-FFF2-40B4-BE49-F238E27FC236}">
+                <a16:creationId xmlns:a16="http://schemas.microsoft.com/office/drawing/2014/main" id="{31E71CDE-DD41-4D64-952A-178330132889}"/>
+              </a:ext>
+            </a:extLst>
+          </p:cNvPr>
+          <p:cNvPicPr>
+            <a:picLocks noChangeAspect="1"/>
+          </p:cNvPicPr>
+          <p:nvPr/>
+        </p:nvPicPr>
+        <p:blipFill>
+          <a:blip r:embed="rId4"/>
+          <a:stretch>
+            <a:fillRect/>
+          </a:stretch>
+        </p:blipFill>
+        <p:spPr>
+          <a:xfrm>
+            <a:off x="257552" y="3827702"/>
+            <a:ext cx="3364049" cy="2422813"/>
+          </a:xfrm>
+          <a:prstGeom prst="rect">
+            <a:avLst/>
+          </a:prstGeom>
+        </p:spPr>
+      </p:pic>
+      <p:pic>
+        <p:nvPicPr>
+          <p:cNvPr id="18" name="Picture 17">
+            <a:extLst>
+              <a:ext uri="{FF2B5EF4-FFF2-40B4-BE49-F238E27FC236}">
+                <a16:creationId xmlns:a16="http://schemas.microsoft.com/office/drawing/2014/main" id="{14878CF9-4501-49B2-9A46-3B8BDB667D73}"/>
+              </a:ext>
+            </a:extLst>
+          </p:cNvPr>
+          <p:cNvPicPr>
+            <a:picLocks noChangeAspect="1"/>
+          </p:cNvPicPr>
+          <p:nvPr/>
+        </p:nvPicPr>
+        <p:blipFill>
+          <a:blip r:embed="rId5"/>
+          <a:stretch>
+            <a:fillRect/>
+          </a:stretch>
+        </p:blipFill>
+        <p:spPr>
+          <a:xfrm>
+            <a:off x="3817996" y="3827704"/>
+            <a:ext cx="3364046" cy="2422811"/>
+          </a:xfrm>
+          <a:prstGeom prst="rect">
+            <a:avLst/>
+          </a:prstGeom>
+        </p:spPr>
+      </p:pic>
+    </p:spTree>
+    <p:extLst>
+      <p:ext uri="{BB962C8B-B14F-4D97-AF65-F5344CB8AC3E}">
+        <p14:creationId xmlns:p14="http://schemas.microsoft.com/office/powerpoint/2010/main" val="2881080923"/>
+      </p:ext>
+    </p:extLst>
+  </p:cSld>
+  <p:clrMapOvr>
+    <a:masterClrMapping/>
+  </p:clrMapOvr>
+</p:sld>
+</file>
+
+<file path=ppt/slides/slide12.xml><?xml version="1.0" encoding="utf-8"?>
+<p:sld xmlns:a="http://schemas.openxmlformats.org/drawingml/2006/main" xmlns:r="http://schemas.openxmlformats.org/officeDocument/2006/relationships" xmlns:p="http://schemas.openxmlformats.org/presentationml/2006/main">
+  <p:cSld>
+    <p:spTree>
+      <p:nvGrpSpPr>
+        <p:cNvPr id="1" name=""/>
+        <p:cNvGrpSpPr/>
+        <p:nvPr/>
+      </p:nvGrpSpPr>
+      <p:grpSpPr>
+        <a:xfrm>
+          <a:off x="0" y="0"/>
+          <a:ext cx="0" cy="0"/>
+          <a:chOff x="0" y="0"/>
+          <a:chExt cx="0" cy="0"/>
+        </a:xfrm>
+      </p:grpSpPr>
+      <p:sp>
+        <p:nvSpPr>
+          <p:cNvPr id="2" name="Title 1">
+            <a:extLst>
+              <a:ext uri="{FF2B5EF4-FFF2-40B4-BE49-F238E27FC236}">
+                <a16:creationId xmlns:a16="http://schemas.microsoft.com/office/drawing/2014/main" id="{5E7847BA-5F95-4402-BCBE-A6BFFA62042F}"/>
+              </a:ext>
+            </a:extLst>
+          </p:cNvPr>
+          <p:cNvSpPr>
+            <a:spLocks noGrp="1"/>
+          </p:cNvSpPr>
+          <p:nvPr>
+            <p:ph type="title"/>
+          </p:nvPr>
+        </p:nvSpPr>
+        <p:spPr>
+          <a:xfrm>
+            <a:off x="838200" y="0"/>
+            <a:ext cx="10515600" cy="805343"/>
+          </a:xfrm>
+        </p:spPr>
+        <p:txBody>
+          <a:bodyPr/>
+          <a:lstStyle/>
+          <a:p>
+            <a:pPr algn="ctr"/>
+            <a:r>
+              <a:rPr lang="en-SG" dirty="0"/>
+              <a:t>Comparing variants</a:t>
+            </a:r>
+          </a:p>
+        </p:txBody>
+      </p:sp>
+      <p:graphicFrame>
+        <p:nvGraphicFramePr>
+          <p:cNvPr id="4" name="Table 4">
+            <a:extLst>
+              <a:ext uri="{FF2B5EF4-FFF2-40B4-BE49-F238E27FC236}">
+                <a16:creationId xmlns:a16="http://schemas.microsoft.com/office/drawing/2014/main" id="{88DED894-D0DA-47BA-974A-04868D1953A9}"/>
+              </a:ext>
+            </a:extLst>
+          </p:cNvPr>
+          <p:cNvGraphicFramePr>
+            <a:graphicFrameLocks noGrp="1"/>
+          </p:cNvGraphicFramePr>
+          <p:nvPr>
+            <p:extLst>
+              <p:ext uri="{D42A27DB-BD31-4B8C-83A1-F6EECF244321}">
+                <p14:modId xmlns:p14="http://schemas.microsoft.com/office/powerpoint/2010/main" val="1068678136"/>
+              </p:ext>
+            </p:extLst>
+          </p:nvPr>
+        </p:nvGraphicFramePr>
+        <p:xfrm>
+          <a:off x="0" y="805343"/>
+          <a:ext cx="12192000" cy="5775400"/>
+        </p:xfrm>
+        <a:graphic>
+          <a:graphicData uri="http://schemas.openxmlformats.org/drawingml/2006/table">
+            <a:tbl>
+              <a:tblPr firstCol="1" bandRow="1">
+                <a:tableStyleId>{073A0DAA-6AF3-43AB-8588-CEC1D06C72B9}</a:tableStyleId>
+              </a:tblPr>
+              <a:tblGrid>
+                <a:gridCol w="2033507">
+                  <a:extLst>
+                    <a:ext uri="{9D8B030D-6E8A-4147-A177-3AD203B41FA5}">
+                      <a16:colId xmlns:a16="http://schemas.microsoft.com/office/drawing/2014/main" val="2645566401"/>
+                    </a:ext>
+                  </a:extLst>
+                </a:gridCol>
+                <a:gridCol w="2119043">
+                  <a:extLst>
+                    <a:ext uri="{9D8B030D-6E8A-4147-A177-3AD203B41FA5}">
+                      <a16:colId xmlns:a16="http://schemas.microsoft.com/office/drawing/2014/main" val="1053842604"/>
+                    </a:ext>
+                  </a:extLst>
+                </a:gridCol>
+                <a:gridCol w="2097248">
+                  <a:extLst>
+                    <a:ext uri="{9D8B030D-6E8A-4147-A177-3AD203B41FA5}">
+                      <a16:colId xmlns:a16="http://schemas.microsoft.com/office/drawing/2014/main" val="746204732"/>
+                    </a:ext>
+                  </a:extLst>
+                </a:gridCol>
+                <a:gridCol w="2189527">
+                  <a:extLst>
+                    <a:ext uri="{9D8B030D-6E8A-4147-A177-3AD203B41FA5}">
+                      <a16:colId xmlns:a16="http://schemas.microsoft.com/office/drawing/2014/main" val="3357249731"/>
+                    </a:ext>
+                  </a:extLst>
+                </a:gridCol>
+                <a:gridCol w="3752675">
+                  <a:extLst>
+                    <a:ext uri="{9D8B030D-6E8A-4147-A177-3AD203B41FA5}">
+                      <a16:colId xmlns:a16="http://schemas.microsoft.com/office/drawing/2014/main" val="2951153918"/>
+                    </a:ext>
+                  </a:extLst>
+                </a:gridCol>
+              </a:tblGrid>
+              <a:tr h="504388">
+                <a:tc>
+                  <a:txBody>
+                    <a:bodyPr/>
+                    <a:lstStyle/>
+                    <a:p>
+                      <a:endParaRPr lang="en-SG" dirty="0"/>
+                    </a:p>
+                  </a:txBody>
+                  <a:tcPr>
+                    <a:solidFill>
+                      <a:schemeClr val="accent2"/>
+                    </a:solidFill>
+                  </a:tcPr>
+                </a:tc>
+                <a:tc>
+                  <a:txBody>
+                    <a:bodyPr/>
+                    <a:lstStyle/>
+                    <a:p>
+                      <a:pPr algn="ctr"/>
+                      <a:r>
+                        <a:rPr lang="en-SG" dirty="0">
+                          <a:solidFill>
+                            <a:schemeClr val="bg1"/>
+                          </a:solidFill>
+                        </a:rPr>
+                        <a:t>CN345 Auntie-DOT</a:t>
+                      </a:r>
+                    </a:p>
+                  </a:txBody>
+                  <a:tcPr>
+                    <a:solidFill>
+                      <a:schemeClr val="tx1"/>
+                    </a:solidFill>
+                  </a:tcPr>
+                </a:tc>
+                <a:tc>
+                  <a:txBody>
+                    <a:bodyPr/>
+                    <a:lstStyle/>
+                    <a:p>
+                      <a:r>
+                        <a:rPr lang="en-SG" dirty="0">
+                          <a:solidFill>
+                            <a:schemeClr val="bg1"/>
+                          </a:solidFill>
+                        </a:rPr>
+                        <a:t>CN345</a:t>
+                      </a:r>
+                      <a:r>
+                        <a:rPr lang="en-US" altLang="zh-CN" dirty="0">
+                          <a:solidFill>
+                            <a:schemeClr val="bg1"/>
+                          </a:solidFill>
+                        </a:rPr>
+                        <a:t> </a:t>
+                      </a:r>
+                      <a:r>
+                        <a:rPr lang="zh-CN" altLang="en-US" dirty="0">
+                          <a:solidFill>
+                            <a:schemeClr val="bg1"/>
+                          </a:solidFill>
+                          <a:latin typeface="+mn-lt"/>
+                        </a:rPr>
+                        <a:t>希薇娅</a:t>
+                      </a:r>
+                      <a:r>
+                        <a:rPr lang="en-SG" dirty="0">
+                          <a:solidFill>
+                            <a:schemeClr val="bg1"/>
+                          </a:solidFill>
+                        </a:rPr>
+                        <a:t>  </a:t>
+                      </a:r>
+                    </a:p>
+                  </a:txBody>
+                  <a:tcPr>
+                    <a:solidFill>
+                      <a:schemeClr val="tx1"/>
+                    </a:solidFill>
+                  </a:tcPr>
+                </a:tc>
+                <a:tc>
+                  <a:txBody>
+                    <a:bodyPr/>
+                    <a:lstStyle/>
+                    <a:p>
+                      <a:r>
+                        <a:rPr lang="en-SG" dirty="0">
+                          <a:solidFill>
+                            <a:schemeClr val="bg1"/>
+                          </a:solidFill>
+                        </a:rPr>
+                        <a:t>CN345</a:t>
+                      </a:r>
+                      <a:r>
+                        <a:rPr lang="en-US" altLang="zh-CN" dirty="0">
+                          <a:solidFill>
+                            <a:schemeClr val="bg1"/>
+                          </a:solidFill>
+                        </a:rPr>
+                        <a:t> </a:t>
+                      </a:r>
+                      <a:r>
+                        <a:rPr lang="zh-CN" altLang="en-US" dirty="0">
+                          <a:solidFill>
+                            <a:schemeClr val="bg1"/>
+                          </a:solidFill>
+                          <a:latin typeface="+mn-lt"/>
+                        </a:rPr>
+                        <a:t>希薇娅</a:t>
+                      </a:r>
+                      <a:r>
+                        <a:rPr lang="en-SG" dirty="0">
+                          <a:solidFill>
+                            <a:schemeClr val="bg1"/>
+                          </a:solidFill>
+                        </a:rPr>
+                        <a:t> TI </a:t>
+                      </a:r>
+                    </a:p>
+                  </a:txBody>
+                  <a:tcPr>
+                    <a:solidFill>
+                      <a:schemeClr val="tx1"/>
+                    </a:solidFill>
+                  </a:tcPr>
+                </a:tc>
+                <a:tc>
+                  <a:txBody>
+                    <a:bodyPr/>
+                    <a:lstStyle/>
+                    <a:p>
+                      <a:r>
+                        <a:rPr lang="en-SG" dirty="0">
+                          <a:solidFill>
+                            <a:schemeClr val="bg1"/>
+                          </a:solidFill>
+                        </a:rPr>
+                        <a:t>CN345</a:t>
+                      </a:r>
+                      <a:r>
+                        <a:rPr lang="en-US" altLang="zh-CN" dirty="0">
+                          <a:solidFill>
+                            <a:schemeClr val="bg1"/>
+                          </a:solidFill>
+                        </a:rPr>
+                        <a:t> </a:t>
+                      </a:r>
+                      <a:r>
+                        <a:rPr lang="zh-CN" altLang="en-US" dirty="0">
+                          <a:solidFill>
+                            <a:schemeClr val="bg1"/>
+                          </a:solidFill>
+                          <a:latin typeface="+mn-lt"/>
+                        </a:rPr>
+                        <a:t>希薇娅</a:t>
+                      </a:r>
+                      <a:r>
+                        <a:rPr lang="en-SG" dirty="0">
+                          <a:solidFill>
+                            <a:schemeClr val="bg1"/>
+                          </a:solidFill>
+                        </a:rPr>
+                        <a:t> TI </a:t>
+                      </a:r>
+                      <a:r>
+                        <a:rPr lang="en-SG" dirty="0" err="1">
+                          <a:solidFill>
+                            <a:schemeClr val="bg1"/>
+                          </a:solidFill>
+                        </a:rPr>
+                        <a:t>EfficientNet</a:t>
+                      </a:r>
+                      <a:r>
+                        <a:rPr lang="en-SG" dirty="0">
+                          <a:solidFill>
+                            <a:schemeClr val="bg1"/>
+                          </a:solidFill>
+                        </a:rPr>
+                        <a:t> Variants</a:t>
+                      </a:r>
+                    </a:p>
+                  </a:txBody>
+                  <a:tcPr>
+                    <a:solidFill>
+                      <a:schemeClr val="tx1"/>
+                    </a:solidFill>
+                  </a:tcPr>
+                </a:tc>
+                <a:extLst>
+                  <a:ext uri="{0D108BD9-81ED-4DB2-BD59-A6C34878D82A}">
+                    <a16:rowId xmlns:a16="http://schemas.microsoft.com/office/drawing/2014/main" val="504751788"/>
+                  </a:ext>
+                </a:extLst>
+              </a:tr>
+              <a:tr h="504388">
+                <a:tc>
+                  <a:txBody>
+                    <a:bodyPr/>
+                    <a:lstStyle/>
+                    <a:p>
+                      <a:r>
+                        <a:rPr lang="en-SG" b="0" dirty="0"/>
+                        <a:t>Framework</a:t>
+                      </a:r>
+                    </a:p>
+                  </a:txBody>
+                  <a:tcPr/>
+                </a:tc>
+                <a:tc>
+                  <a:txBody>
+                    <a:bodyPr/>
+                    <a:lstStyle/>
+                    <a:p>
+                      <a:pPr marL="0" marR="0" lvl="0" indent="0" algn="l" defTabSz="914400" rtl="0" eaLnBrk="1" fontAlgn="auto" latinLnBrk="0" hangingPunct="1">
+                        <a:lnSpc>
+                          <a:spcPct val="100000"/>
+                        </a:lnSpc>
+                        <a:spcBef>
+                          <a:spcPts val="0"/>
+                        </a:spcBef>
+                        <a:spcAft>
+                          <a:spcPts val="0"/>
+                        </a:spcAft>
+                        <a:buClrTx/>
+                        <a:buSzTx/>
+                        <a:buFontTx/>
+                        <a:buNone/>
+                        <a:tabLst/>
+                        <a:defRPr/>
+                      </a:pPr>
+                      <a:r>
+                        <a:rPr lang="en-SG" dirty="0"/>
+                        <a:t>InceptionV3</a:t>
+                      </a:r>
+                    </a:p>
+                  </a:txBody>
+                  <a:tcPr/>
+                </a:tc>
+                <a:tc>
+                  <a:txBody>
+                    <a:bodyPr/>
+                    <a:lstStyle/>
+                    <a:p>
+                      <a:pPr marL="0" marR="0" lvl="0" indent="0" algn="l" defTabSz="914400" rtl="0" eaLnBrk="1" fontAlgn="auto" latinLnBrk="0" hangingPunct="1">
+                        <a:lnSpc>
+                          <a:spcPct val="100000"/>
+                        </a:lnSpc>
+                        <a:spcBef>
+                          <a:spcPts val="0"/>
+                        </a:spcBef>
+                        <a:spcAft>
+                          <a:spcPts val="0"/>
+                        </a:spcAft>
+                        <a:buClrTx/>
+                        <a:buSzTx/>
+                        <a:buFontTx/>
+                        <a:buNone/>
+                        <a:tabLst/>
+                        <a:defRPr/>
+                      </a:pPr>
+                      <a:r>
+                        <a:rPr lang="en-SG" dirty="0"/>
+                        <a:t>InceptionV3</a:t>
+                      </a:r>
+                    </a:p>
+                  </a:txBody>
+                  <a:tcPr/>
+                </a:tc>
+                <a:tc>
+                  <a:txBody>
+                    <a:bodyPr/>
+                    <a:lstStyle/>
+                    <a:p>
+                      <a:r>
+                        <a:rPr lang="en-SG" dirty="0"/>
+                        <a:t>InceptionV3</a:t>
+                      </a:r>
+                    </a:p>
+                  </a:txBody>
+                  <a:tcPr/>
+                </a:tc>
+                <a:tc>
+                  <a:txBody>
+                    <a:bodyPr/>
+                    <a:lstStyle/>
+                    <a:p>
+                      <a:r>
+                        <a:rPr lang="en-SG" dirty="0"/>
+                        <a:t>EfficientNetB0/B4/B7</a:t>
+                      </a:r>
+                    </a:p>
+                  </a:txBody>
+                  <a:tcPr/>
+                </a:tc>
+                <a:extLst>
+                  <a:ext uri="{0D108BD9-81ED-4DB2-BD59-A6C34878D82A}">
+                    <a16:rowId xmlns:a16="http://schemas.microsoft.com/office/drawing/2014/main" val="3797795785"/>
+                  </a:ext>
+                </a:extLst>
+              </a:tr>
+              <a:tr h="0">
+                <a:tc>
+                  <a:txBody>
+                    <a:bodyPr/>
+                    <a:lstStyle/>
+                    <a:p>
+                      <a:endParaRPr lang="en-SG" dirty="0"/>
+                    </a:p>
+                  </a:txBody>
+                  <a:tcPr>
+                    <a:solidFill>
+                      <a:schemeClr val="accent2"/>
+                    </a:solidFill>
+                  </a:tcPr>
+                </a:tc>
+                <a:tc>
+                  <a:txBody>
+                    <a:bodyPr/>
+                    <a:lstStyle/>
+                    <a:p>
+                      <a:endParaRPr lang="en-SG" dirty="0"/>
+                    </a:p>
+                  </a:txBody>
+                  <a:tcPr>
+                    <a:solidFill>
+                      <a:schemeClr val="accent2"/>
+                    </a:solidFill>
+                  </a:tcPr>
+                </a:tc>
+                <a:tc>
+                  <a:txBody>
+                    <a:bodyPr/>
+                    <a:lstStyle/>
+                    <a:p>
+                      <a:endParaRPr lang="en-SG" dirty="0"/>
+                    </a:p>
+                  </a:txBody>
+                  <a:tcPr>
+                    <a:solidFill>
+                      <a:schemeClr val="accent2"/>
+                    </a:solidFill>
+                  </a:tcPr>
+                </a:tc>
+                <a:tc>
+                  <a:txBody>
+                    <a:bodyPr/>
+                    <a:lstStyle/>
+                    <a:p>
+                      <a:endParaRPr lang="en-SG" dirty="0"/>
+                    </a:p>
+                  </a:txBody>
+                  <a:tcPr>
+                    <a:solidFill>
+                      <a:schemeClr val="accent2"/>
+                    </a:solidFill>
+                  </a:tcPr>
+                </a:tc>
+                <a:tc>
+                  <a:txBody>
+                    <a:bodyPr/>
+                    <a:lstStyle/>
+                    <a:p>
+                      <a:endParaRPr lang="en-SG" dirty="0"/>
+                    </a:p>
+                  </a:txBody>
+                  <a:tcPr>
+                    <a:solidFill>
+                      <a:schemeClr val="accent2"/>
+                    </a:solidFill>
+                  </a:tcPr>
+                </a:tc>
+                <a:extLst>
+                  <a:ext uri="{0D108BD9-81ED-4DB2-BD59-A6C34878D82A}">
+                    <a16:rowId xmlns:a16="http://schemas.microsoft.com/office/drawing/2014/main" val="3841157104"/>
+                  </a:ext>
+                </a:extLst>
+              </a:tr>
+              <a:tr h="504388">
+                <a:tc>
+                  <a:txBody>
+                    <a:bodyPr/>
+                    <a:lstStyle/>
+                    <a:p>
+                      <a:r>
+                        <a:rPr lang="en-SG" b="0" dirty="0"/>
+                        <a:t>Hand sign range</a:t>
+                      </a:r>
+                    </a:p>
+                  </a:txBody>
+                  <a:tcPr/>
+                </a:tc>
+                <a:tc>
+                  <a:txBody>
+                    <a:bodyPr/>
+                    <a:lstStyle/>
+                    <a:p>
+                      <a:r>
+                        <a:rPr lang="en-SG" dirty="0"/>
+                        <a:t>3,4,5</a:t>
+                      </a:r>
+                    </a:p>
+                  </a:txBody>
+                  <a:tcPr/>
+                </a:tc>
+                <a:tc>
+                  <a:txBody>
+                    <a:bodyPr/>
+                    <a:lstStyle/>
+                    <a:p>
+                      <a:r>
+                        <a:rPr lang="en-SG" dirty="0"/>
+                        <a:t>3,4,5</a:t>
+                      </a:r>
+                    </a:p>
+                  </a:txBody>
+                  <a:tcPr/>
+                </a:tc>
+                <a:tc>
+                  <a:txBody>
+                    <a:bodyPr/>
+                    <a:lstStyle/>
+                    <a:p>
+                      <a:r>
+                        <a:rPr lang="en-SG" dirty="0"/>
+                        <a:t>1-10</a:t>
+                      </a:r>
+                    </a:p>
+                  </a:txBody>
+                  <a:tcPr/>
+                </a:tc>
+                <a:tc>
+                  <a:txBody>
+                    <a:bodyPr/>
+                    <a:lstStyle/>
+                    <a:p>
+                      <a:r>
+                        <a:rPr lang="en-SG" dirty="0"/>
+                        <a:t>1-10</a:t>
+                      </a:r>
+                    </a:p>
+                  </a:txBody>
+                  <a:tcPr/>
+                </a:tc>
+                <a:extLst>
+                  <a:ext uri="{0D108BD9-81ED-4DB2-BD59-A6C34878D82A}">
+                    <a16:rowId xmlns:a16="http://schemas.microsoft.com/office/drawing/2014/main" val="2940425707"/>
+                  </a:ext>
+                </a:extLst>
+              </a:tr>
+              <a:tr h="504388">
+                <a:tc>
+                  <a:txBody>
+                    <a:bodyPr/>
+                    <a:lstStyle/>
+                    <a:p>
+                      <a:r>
+                        <a:rPr lang="en-SG" b="0" dirty="0"/>
+                        <a:t>Training Data</a:t>
+                      </a:r>
+                    </a:p>
+                  </a:txBody>
+                  <a:tcPr/>
+                </a:tc>
+                <a:tc>
+                  <a:txBody>
+                    <a:bodyPr/>
+                    <a:lstStyle/>
+                    <a:p>
+                      <a:r>
+                        <a:rPr lang="en-SG" dirty="0"/>
+                        <a:t>7200</a:t>
+                      </a:r>
+                    </a:p>
+                  </a:txBody>
+                  <a:tcPr/>
+                </a:tc>
+                <a:tc>
+                  <a:txBody>
+                    <a:bodyPr/>
+                    <a:lstStyle/>
+                    <a:p>
+                      <a:r>
+                        <a:rPr lang="en-SG" dirty="0"/>
+                        <a:t>1029</a:t>
+                      </a:r>
+                    </a:p>
+                  </a:txBody>
+                  <a:tcPr/>
+                </a:tc>
+                <a:tc>
+                  <a:txBody>
+                    <a:bodyPr/>
+                    <a:lstStyle/>
+                    <a:p>
+                      <a:r>
+                        <a:rPr lang="en-SG" dirty="0"/>
+                        <a:t>3377</a:t>
+                      </a:r>
+                    </a:p>
+                  </a:txBody>
+                  <a:tcPr/>
+                </a:tc>
+                <a:tc>
+                  <a:txBody>
+                    <a:bodyPr/>
+                    <a:lstStyle/>
+                    <a:p>
+                      <a:r>
+                        <a:rPr lang="en-SG" dirty="0"/>
+                        <a:t>3377</a:t>
+                      </a:r>
+                    </a:p>
+                  </a:txBody>
+                  <a:tcPr/>
+                </a:tc>
+                <a:extLst>
+                  <a:ext uri="{0D108BD9-81ED-4DB2-BD59-A6C34878D82A}">
+                    <a16:rowId xmlns:a16="http://schemas.microsoft.com/office/drawing/2014/main" val="867687060"/>
+                  </a:ext>
+                </a:extLst>
+              </a:tr>
+              <a:tr h="504388">
+                <a:tc>
+                  <a:txBody>
+                    <a:bodyPr/>
+                    <a:lstStyle/>
+                    <a:p>
+                      <a:r>
+                        <a:rPr lang="en-SG" b="0" dirty="0"/>
+                        <a:t>Validation Data</a:t>
+                      </a:r>
+                    </a:p>
+                  </a:txBody>
+                  <a:tcPr/>
+                </a:tc>
+                <a:tc>
+                  <a:txBody>
+                    <a:bodyPr/>
+                    <a:lstStyle/>
+                    <a:p>
+                      <a:r>
+                        <a:rPr lang="en-SG" dirty="0"/>
+                        <a:t>552</a:t>
+                      </a:r>
+                    </a:p>
+                  </a:txBody>
+                  <a:tcPr/>
+                </a:tc>
+                <a:tc>
+                  <a:txBody>
+                    <a:bodyPr/>
+                    <a:lstStyle/>
+                    <a:p>
+                      <a:r>
+                        <a:rPr lang="en-SG" dirty="0"/>
+                        <a:t>240</a:t>
+                      </a:r>
+                    </a:p>
+                  </a:txBody>
+                  <a:tcPr/>
+                </a:tc>
+                <a:tc>
+                  <a:txBody>
+                    <a:bodyPr/>
+                    <a:lstStyle/>
+                    <a:p>
+                      <a:r>
+                        <a:rPr lang="en-SG" dirty="0"/>
+                        <a:t>800</a:t>
+                      </a:r>
+                    </a:p>
+                  </a:txBody>
+                  <a:tcPr/>
+                </a:tc>
+                <a:tc>
+                  <a:txBody>
+                    <a:bodyPr/>
+                    <a:lstStyle/>
+                    <a:p>
+                      <a:r>
+                        <a:rPr lang="en-SG" dirty="0"/>
+                        <a:t>800</a:t>
+                      </a:r>
+                    </a:p>
+                  </a:txBody>
+                  <a:tcPr/>
+                </a:tc>
+                <a:extLst>
+                  <a:ext uri="{0D108BD9-81ED-4DB2-BD59-A6C34878D82A}">
+                    <a16:rowId xmlns:a16="http://schemas.microsoft.com/office/drawing/2014/main" val="4122543419"/>
+                  </a:ext>
+                </a:extLst>
+              </a:tr>
+              <a:tr h="504388">
+                <a:tc>
+                  <a:txBody>
+                    <a:bodyPr/>
+                    <a:lstStyle/>
+                    <a:p>
+                      <a:r>
+                        <a:rPr lang="en-SG" b="0" dirty="0"/>
+                        <a:t>Test Data</a:t>
+                      </a:r>
+                    </a:p>
+                  </a:txBody>
+                  <a:tcPr/>
+                </a:tc>
+                <a:tc>
+                  <a:txBody>
+                    <a:bodyPr/>
+                    <a:lstStyle/>
+                    <a:p>
+                      <a:r>
+                        <a:rPr lang="en-SG" dirty="0"/>
+                        <a:t>84</a:t>
+                      </a:r>
+                    </a:p>
+                  </a:txBody>
+                  <a:tcPr/>
+                </a:tc>
+                <a:tc>
+                  <a:txBody>
+                    <a:bodyPr/>
+                    <a:lstStyle/>
+                    <a:p>
+                      <a:r>
+                        <a:rPr lang="en-SG" dirty="0"/>
+                        <a:t>60</a:t>
+                      </a:r>
+                    </a:p>
+                  </a:txBody>
+                  <a:tcPr/>
+                </a:tc>
+                <a:tc>
+                  <a:txBody>
+                    <a:bodyPr/>
+                    <a:lstStyle/>
+                    <a:p>
+                      <a:r>
+                        <a:rPr lang="en-SG" dirty="0"/>
+                        <a:t>200</a:t>
+                      </a:r>
+                    </a:p>
+                  </a:txBody>
+                  <a:tcPr/>
+                </a:tc>
+                <a:tc>
+                  <a:txBody>
+                    <a:bodyPr/>
+                    <a:lstStyle/>
+                    <a:p>
+                      <a:r>
+                        <a:rPr lang="en-SG" dirty="0"/>
+                        <a:t>200</a:t>
+                      </a:r>
+                    </a:p>
+                  </a:txBody>
+                  <a:tcPr/>
+                </a:tc>
+                <a:extLst>
+                  <a:ext uri="{0D108BD9-81ED-4DB2-BD59-A6C34878D82A}">
+                    <a16:rowId xmlns:a16="http://schemas.microsoft.com/office/drawing/2014/main" val="1395169950"/>
+                  </a:ext>
+                </a:extLst>
+              </a:tr>
+              <a:tr h="504388">
+                <a:tc>
+                  <a:txBody>
+                    <a:bodyPr/>
+                    <a:lstStyle/>
+                    <a:p>
+                      <a:r>
+                        <a:rPr lang="en-SG" b="0" dirty="0"/>
+                        <a:t>Total Data</a:t>
+                      </a:r>
+                    </a:p>
+                  </a:txBody>
+                  <a:tcPr/>
+                </a:tc>
+                <a:tc>
+                  <a:txBody>
+                    <a:bodyPr/>
+                    <a:lstStyle/>
+                    <a:p>
+                      <a:r>
+                        <a:rPr lang="en-SG" dirty="0"/>
+                        <a:t>7836</a:t>
+                      </a:r>
+                    </a:p>
+                  </a:txBody>
+                  <a:tcPr/>
+                </a:tc>
+                <a:tc>
+                  <a:txBody>
+                    <a:bodyPr/>
+                    <a:lstStyle/>
+                    <a:p>
+                      <a:r>
+                        <a:rPr lang="en-SG" dirty="0"/>
+                        <a:t>1329</a:t>
+                      </a:r>
+                    </a:p>
+                  </a:txBody>
+                  <a:tcPr/>
+                </a:tc>
+                <a:tc>
+                  <a:txBody>
+                    <a:bodyPr/>
+                    <a:lstStyle/>
+                    <a:p>
+                      <a:r>
+                        <a:rPr lang="en-SG" dirty="0"/>
+                        <a:t>4377</a:t>
+                      </a:r>
+                    </a:p>
+                  </a:txBody>
+                  <a:tcPr/>
+                </a:tc>
+                <a:tc>
+                  <a:txBody>
+                    <a:bodyPr/>
+                    <a:lstStyle/>
+                    <a:p>
+                      <a:r>
+                        <a:rPr lang="en-SG" dirty="0"/>
+                        <a:t>4377</a:t>
+                      </a:r>
+                    </a:p>
+                  </a:txBody>
+                  <a:tcPr/>
+                </a:tc>
+                <a:extLst>
+                  <a:ext uri="{0D108BD9-81ED-4DB2-BD59-A6C34878D82A}">
+                    <a16:rowId xmlns:a16="http://schemas.microsoft.com/office/drawing/2014/main" val="1501254923"/>
+                  </a:ext>
+                </a:extLst>
+              </a:tr>
+              <a:tr h="247686">
+                <a:tc>
+                  <a:txBody>
+                    <a:bodyPr/>
+                    <a:lstStyle/>
+                    <a:p>
+                      <a:endParaRPr lang="en-SG" dirty="0"/>
+                    </a:p>
+                  </a:txBody>
+                  <a:tcPr>
+                    <a:solidFill>
+                      <a:schemeClr val="accent2"/>
+                    </a:solidFill>
+                  </a:tcPr>
+                </a:tc>
+                <a:tc>
+                  <a:txBody>
+                    <a:bodyPr/>
+                    <a:lstStyle/>
+                    <a:p>
+                      <a:endParaRPr lang="en-SG" dirty="0"/>
+                    </a:p>
+                  </a:txBody>
+                  <a:tcPr>
+                    <a:solidFill>
+                      <a:schemeClr val="accent2"/>
+                    </a:solidFill>
+                  </a:tcPr>
+                </a:tc>
+                <a:tc>
+                  <a:txBody>
+                    <a:bodyPr/>
+                    <a:lstStyle/>
+                    <a:p>
+                      <a:endParaRPr lang="en-SG" dirty="0"/>
+                    </a:p>
+                  </a:txBody>
+                  <a:tcPr>
+                    <a:solidFill>
+                      <a:schemeClr val="accent2"/>
+                    </a:solidFill>
+                  </a:tcPr>
+                </a:tc>
+                <a:tc>
+                  <a:txBody>
+                    <a:bodyPr/>
+                    <a:lstStyle/>
+                    <a:p>
+                      <a:endParaRPr lang="en-SG" dirty="0"/>
+                    </a:p>
+                  </a:txBody>
+                  <a:tcPr>
+                    <a:solidFill>
+                      <a:schemeClr val="accent2"/>
+                    </a:solidFill>
+                  </a:tcPr>
+                </a:tc>
+                <a:tc>
+                  <a:txBody>
+                    <a:bodyPr/>
+                    <a:lstStyle/>
+                    <a:p>
+                      <a:endParaRPr lang="en-SG" dirty="0"/>
+                    </a:p>
+                  </a:txBody>
+                  <a:tcPr>
+                    <a:solidFill>
+                      <a:schemeClr val="accent2"/>
+                    </a:solidFill>
+                  </a:tcPr>
+                </a:tc>
+                <a:extLst>
+                  <a:ext uri="{0D108BD9-81ED-4DB2-BD59-A6C34878D82A}">
+                    <a16:rowId xmlns:a16="http://schemas.microsoft.com/office/drawing/2014/main" val="2869767036"/>
+                  </a:ext>
+                </a:extLst>
+              </a:tr>
+              <a:tr h="504388">
+                <a:tc>
+                  <a:txBody>
+                    <a:bodyPr/>
+                    <a:lstStyle/>
+                    <a:p>
+                      <a:r>
+                        <a:rPr lang="en-SG" b="0" dirty="0"/>
+                        <a:t>Issues</a:t>
+                      </a:r>
+                    </a:p>
+                  </a:txBody>
+                  <a:tcPr/>
+                </a:tc>
+                <a:tc>
+                  <a:txBody>
+                    <a:bodyPr/>
+                    <a:lstStyle/>
+                    <a:p>
+                      <a:r>
+                        <a:rPr lang="en-SG" dirty="0"/>
+                        <a:t>Overfitted</a:t>
+                      </a:r>
+                    </a:p>
+                  </a:txBody>
+                  <a:tcPr/>
+                </a:tc>
+                <a:tc>
+                  <a:txBody>
+                    <a:bodyPr/>
+                    <a:lstStyle/>
+                    <a:p>
+                      <a:r>
+                        <a:rPr lang="en-SG" dirty="0"/>
+                        <a:t> No known issues</a:t>
+                      </a:r>
+                    </a:p>
+                  </a:txBody>
+                  <a:tcPr/>
+                </a:tc>
+                <a:tc>
+                  <a:txBody>
+                    <a:bodyPr/>
+                    <a:lstStyle/>
+                    <a:p>
+                      <a:r>
+                        <a:rPr lang="en-SG" dirty="0"/>
+                        <a:t>Prediction is awful</a:t>
+                      </a:r>
+                    </a:p>
+                  </a:txBody>
+                  <a:tcPr/>
+                </a:tc>
+                <a:tc>
+                  <a:txBody>
+                    <a:bodyPr/>
+                    <a:lstStyle/>
+                    <a:p>
+                      <a:r>
+                        <a:rPr lang="en-SG" dirty="0"/>
+                        <a:t>I highly doubt it works</a:t>
+                      </a:r>
+                    </a:p>
+                  </a:txBody>
+                  <a:tcPr/>
+                </a:tc>
+                <a:extLst>
+                  <a:ext uri="{0D108BD9-81ED-4DB2-BD59-A6C34878D82A}">
+                    <a16:rowId xmlns:a16="http://schemas.microsoft.com/office/drawing/2014/main" val="1497772630"/>
+                  </a:ext>
+                </a:extLst>
+              </a:tr>
+              <a:tr h="504388">
+                <a:tc>
+                  <a:txBody>
+                    <a:bodyPr/>
+                    <a:lstStyle/>
+                    <a:p>
+                      <a:pPr marL="0" marR="0" lvl="0" indent="0" algn="l" defTabSz="914400" rtl="0" eaLnBrk="1" fontAlgn="auto" latinLnBrk="0" hangingPunct="1">
+                        <a:lnSpc>
+                          <a:spcPct val="100000"/>
+                        </a:lnSpc>
+                        <a:spcBef>
+                          <a:spcPts val="0"/>
+                        </a:spcBef>
+                        <a:spcAft>
+                          <a:spcPts val="0"/>
+                        </a:spcAft>
+                        <a:buClrTx/>
+                        <a:buSzTx/>
+                        <a:buFontTx/>
+                        <a:buNone/>
+                        <a:tabLst/>
+                        <a:defRPr/>
+                      </a:pPr>
+                      <a:r>
+                        <a:rPr lang="en-SG" b="0" dirty="0"/>
+                        <a:t>Classification App</a:t>
+                      </a:r>
+                    </a:p>
+                  </a:txBody>
+                  <a:tcPr/>
+                </a:tc>
+                <a:tc>
+                  <a:txBody>
+                    <a:bodyPr/>
+                    <a:lstStyle/>
+                    <a:p>
+                      <a:pPr marL="0" marR="0" lvl="0" indent="0" algn="l" defTabSz="914400" rtl="0" eaLnBrk="1" fontAlgn="auto" latinLnBrk="0" hangingPunct="1">
+                        <a:lnSpc>
+                          <a:spcPct val="100000"/>
+                        </a:lnSpc>
+                        <a:spcBef>
+                          <a:spcPts val="0"/>
+                        </a:spcBef>
+                        <a:spcAft>
+                          <a:spcPts val="0"/>
+                        </a:spcAft>
+                        <a:buClrTx/>
+                        <a:buSzTx/>
+                        <a:buFontTx/>
+                        <a:buNone/>
+                        <a:tabLst/>
+                        <a:defRPr/>
+                      </a:pPr>
+                      <a:r>
+                        <a:rPr lang="en-SG" dirty="0"/>
+                        <a:t>Launches</a:t>
+                      </a:r>
+                    </a:p>
+                  </a:txBody>
+                  <a:tcPr/>
+                </a:tc>
+                <a:tc>
+                  <a:txBody>
+                    <a:bodyPr/>
+                    <a:lstStyle/>
+                    <a:p>
+                      <a:r>
+                        <a:rPr lang="en-SG" dirty="0"/>
+                        <a:t>Launches</a:t>
+                      </a:r>
+                    </a:p>
+                  </a:txBody>
+                  <a:tcPr/>
+                </a:tc>
+                <a:tc>
+                  <a:txBody>
+                    <a:bodyPr/>
+                    <a:lstStyle/>
+                    <a:p>
+                      <a:r>
+                        <a:rPr lang="en-SG" dirty="0"/>
+                        <a:t>Launches</a:t>
+                      </a:r>
+                    </a:p>
+                  </a:txBody>
+                  <a:tcPr/>
+                </a:tc>
+                <a:tc>
+                  <a:txBody>
+                    <a:bodyPr/>
+                    <a:lstStyle/>
+                    <a:p>
+                      <a:r>
+                        <a:rPr lang="en-SG" dirty="0"/>
+                        <a:t>Launches but just spits errors</a:t>
+                      </a:r>
+                    </a:p>
+                  </a:txBody>
+                  <a:tcPr/>
+                </a:tc>
+                <a:extLst>
+                  <a:ext uri="{0D108BD9-81ED-4DB2-BD59-A6C34878D82A}">
+                    <a16:rowId xmlns:a16="http://schemas.microsoft.com/office/drawing/2014/main" val="3295846536"/>
+                  </a:ext>
+                </a:extLst>
+              </a:tr>
+              <a:tr h="504388">
+                <a:tc>
+                  <a:txBody>
+                    <a:bodyPr/>
+                    <a:lstStyle/>
+                    <a:p>
+                      <a:r>
+                        <a:rPr lang="en-SG" b="0" dirty="0"/>
+                        <a:t>RTC app</a:t>
+                      </a:r>
+                    </a:p>
+                  </a:txBody>
+                  <a:tcPr/>
+                </a:tc>
+                <a:tc>
+                  <a:txBody>
+                    <a:bodyPr/>
+                    <a:lstStyle/>
+                    <a:p>
+                      <a:r>
+                        <a:rPr lang="en-SG" dirty="0"/>
+                        <a:t>Launches</a:t>
+                      </a:r>
+                    </a:p>
+                  </a:txBody>
+                  <a:tcPr/>
+                </a:tc>
+                <a:tc>
+                  <a:txBody>
+                    <a:bodyPr/>
+                    <a:lstStyle/>
+                    <a:p>
+                      <a:pPr marL="0" marR="0" lvl="0" indent="0" algn="l" defTabSz="914400" rtl="0" eaLnBrk="1" fontAlgn="auto" latinLnBrk="0" hangingPunct="1">
+                        <a:lnSpc>
+                          <a:spcPct val="100000"/>
+                        </a:lnSpc>
+                        <a:spcBef>
+                          <a:spcPts val="0"/>
+                        </a:spcBef>
+                        <a:spcAft>
+                          <a:spcPts val="0"/>
+                        </a:spcAft>
+                        <a:buClrTx/>
+                        <a:buSzTx/>
+                        <a:buFontTx/>
+                        <a:buNone/>
+                        <a:tabLst/>
+                        <a:defRPr/>
+                      </a:pPr>
+                      <a:r>
+                        <a:rPr lang="en-SG" dirty="0"/>
+                        <a:t>Not tested</a:t>
+                      </a:r>
+                    </a:p>
+                  </a:txBody>
+                  <a:tcPr/>
+                </a:tc>
+                <a:tc>
+                  <a:txBody>
+                    <a:bodyPr/>
+                    <a:lstStyle/>
+                    <a:p>
+                      <a:r>
+                        <a:rPr lang="en-SG" dirty="0"/>
+                        <a:t>Not tested</a:t>
+                      </a:r>
+                    </a:p>
+                  </a:txBody>
+                  <a:tcPr/>
+                </a:tc>
+                <a:tc>
+                  <a:txBody>
+                    <a:bodyPr/>
+                    <a:lstStyle/>
+                    <a:p>
+                      <a:r>
+                        <a:rPr lang="en-SG" dirty="0"/>
+                        <a:t>Gave me a Windows BLUE SCREEN </a:t>
+                      </a:r>
+                    </a:p>
+                  </a:txBody>
+                  <a:tcPr/>
+                </a:tc>
+                <a:extLst>
+                  <a:ext uri="{0D108BD9-81ED-4DB2-BD59-A6C34878D82A}">
+                    <a16:rowId xmlns:a16="http://schemas.microsoft.com/office/drawing/2014/main" val="1747093900"/>
+                  </a:ext>
+                </a:extLst>
+              </a:tr>
+            </a:tbl>
+          </a:graphicData>
+        </a:graphic>
+      </p:graphicFrame>
+    </p:spTree>
+    <p:extLst>
+      <p:ext uri="{BB962C8B-B14F-4D97-AF65-F5344CB8AC3E}">
+        <p14:creationId xmlns:p14="http://schemas.microsoft.com/office/powerpoint/2010/main" val="1402084860"/>
+      </p:ext>
+    </p:extLst>
+  </p:cSld>
+  <p:clrMapOvr>
+    <a:masterClrMapping/>
+  </p:clrMapOvr>
+</p:sld>
+</file>
+
+<file path=ppt/slides/slide13.xml><?xml version="1.0" encoding="utf-8"?>
+<p:sld xmlns:a="http://schemas.openxmlformats.org/drawingml/2006/main" xmlns:r="http://schemas.openxmlformats.org/officeDocument/2006/relationships" xmlns:p="http://schemas.openxmlformats.org/presentationml/2006/main">
+  <p:cSld>
+    <p:spTree>
+      <p:nvGrpSpPr>
+        <p:cNvPr id="1" name=""/>
+        <p:cNvGrpSpPr/>
+        <p:nvPr/>
+      </p:nvGrpSpPr>
+      <p:grpSpPr>
+        <a:xfrm>
+          <a:off x="0" y="0"/>
+          <a:ext cx="0" cy="0"/>
+          <a:chOff x="0" y="0"/>
+          <a:chExt cx="0" cy="0"/>
+        </a:xfrm>
+      </p:grpSpPr>
+      <p:sp>
+        <p:nvSpPr>
+          <p:cNvPr id="2" name="Title 1">
+            <a:extLst>
+              <a:ext uri="{FF2B5EF4-FFF2-40B4-BE49-F238E27FC236}">
+                <a16:creationId xmlns:a16="http://schemas.microsoft.com/office/drawing/2014/main" id="{63C1A0F5-E740-4012-9770-55C5815B50C9}"/>
+              </a:ext>
+            </a:extLst>
+          </p:cNvPr>
+          <p:cNvSpPr>
+            <a:spLocks noGrp="1"/>
+          </p:cNvSpPr>
+          <p:nvPr>
+            <p:ph type="title"/>
+          </p:nvPr>
+        </p:nvSpPr>
+        <p:spPr/>
+        <p:txBody>
+          <a:bodyPr/>
+          <a:lstStyle/>
+          <a:p>
+            <a:r>
+              <a:rPr lang="en-SG" dirty="0"/>
+              <a:t>Evaluation</a:t>
+            </a:r>
+          </a:p>
+        </p:txBody>
+      </p:sp>
+      <p:pic>
+        <p:nvPicPr>
+          <p:cNvPr id="5" name="Content Placeholder 4">
+            <a:extLst>
+              <a:ext uri="{FF2B5EF4-FFF2-40B4-BE49-F238E27FC236}">
+                <a16:creationId xmlns:a16="http://schemas.microsoft.com/office/drawing/2014/main" id="{BE740CF3-8F09-4081-B91E-9CD98F7CED63}"/>
+              </a:ext>
+            </a:extLst>
+          </p:cNvPr>
+          <p:cNvPicPr>
+            <a:picLocks noGrp="1" noChangeAspect="1"/>
+          </p:cNvPicPr>
+          <p:nvPr>
+            <p:ph idx="1"/>
+          </p:nvPr>
+        </p:nvPicPr>
+        <p:blipFill>
+          <a:blip r:embed="rId2"/>
+          <a:stretch>
+            <a:fillRect/>
+          </a:stretch>
+        </p:blipFill>
+        <p:spPr>
+          <a:xfrm>
+            <a:off x="0" y="3376432"/>
+            <a:ext cx="4371988" cy="3116443"/>
+          </a:xfrm>
+        </p:spPr>
+      </p:pic>
+    </p:spTree>
+    <p:extLst>
+      <p:ext uri="{BB962C8B-B14F-4D97-AF65-F5344CB8AC3E}">
+        <p14:creationId xmlns:p14="http://schemas.microsoft.com/office/powerpoint/2010/main" val="3308464785"/>
+      </p:ext>
+    </p:extLst>
+  </p:cSld>
+  <p:clrMapOvr>
+    <a:masterClrMapping/>
+  </p:clrMapOvr>
+</p:sld>
+</file>
+
 <file path=ppt/slides/slide2.xml><?xml version="1.0" encoding="utf-8"?>
 <p:sld xmlns:a="http://schemas.openxmlformats.org/drawingml/2006/main" xmlns:r="http://schemas.openxmlformats.org/officeDocument/2006/relationships" xmlns:p="http://schemas.openxmlformats.org/presentationml/2006/main">
   <p:cSld>
@@ -3698,7 +5687,7 @@
           <p:cNvPr id="2" name="Title 1">
             <a:extLst>
               <a:ext uri="{FF2B5EF4-FFF2-40B4-BE49-F238E27FC236}">
-                <a16:creationId xmlns:a16="http://schemas.microsoft.com/office/drawing/2014/main" id="{2C94E3B1-9A8C-4491-A9A6-755ACB062CF4}"/>
+                <a16:creationId xmlns:a16="http://schemas.microsoft.com/office/drawing/2014/main" id="{1EDEF815-B0B1-4B49-9BB9-5D3AF8E76496}"/>
               </a:ext>
             </a:extLst>
           </p:cNvPr>
@@ -3716,7 +5705,7 @@
           <a:p>
             <a:r>
               <a:rPr lang="en-SG" dirty="0"/>
-              <a:t>Data Preparation</a:t>
+              <a:t>Understanding RPS </a:t>
             </a:r>
           </a:p>
         </p:txBody>
@@ -3726,7 +5715,7 @@
           <p:cNvPr id="3" name="Content Placeholder 2">
             <a:extLst>
               <a:ext uri="{FF2B5EF4-FFF2-40B4-BE49-F238E27FC236}">
-                <a16:creationId xmlns:a16="http://schemas.microsoft.com/office/drawing/2014/main" id="{D3224137-5A20-45F0-8584-7EABF3EAA354}"/>
+                <a16:creationId xmlns:a16="http://schemas.microsoft.com/office/drawing/2014/main" id="{6A7A4E9A-63C2-4A81-9597-8ED3B8192369}"/>
               </a:ext>
             </a:extLst>
           </p:cNvPr>
@@ -3747,15 +5736,7 @@
             </a:pPr>
             <a:r>
               <a:rPr lang="en-SG" dirty="0"/>
-              <a:t>Collecting band new images can be difficult and </a:t>
-            </a:r>
-            <a:r>
-              <a:rPr lang="en-SG" dirty="0" err="1"/>
-              <a:t>labourous</a:t>
-            </a:r>
-            <a:r>
-              <a:rPr lang="en-SG" dirty="0"/>
-              <a:t>, thus some images from RPS dataset was reused to speed up the process. Because someone was supposed to do it but preferred to go hang out and get drunk</a:t>
+              <a:t>Before making image classification for Chinese number hand gesture 3-4-5, we need to understand how RPS works. And that’s what I did </a:t>
             </a:r>
           </a:p>
         </p:txBody>
@@ -3763,7 +5744,7 @@
     </p:spTree>
     <p:extLst>
       <p:ext uri="{BB962C8B-B14F-4D97-AF65-F5344CB8AC3E}">
-        <p14:creationId xmlns:p14="http://schemas.microsoft.com/office/powerpoint/2010/main" val="2520431078"/>
+        <p14:creationId xmlns:p14="http://schemas.microsoft.com/office/powerpoint/2010/main" val="1146616675"/>
       </p:ext>
     </p:extLst>
   </p:cSld>
@@ -3795,7 +5776,7 @@
           <p:cNvPr id="2" name="Title 1">
             <a:extLst>
               <a:ext uri="{FF2B5EF4-FFF2-40B4-BE49-F238E27FC236}">
-                <a16:creationId xmlns:a16="http://schemas.microsoft.com/office/drawing/2014/main" id="{E8C7C365-12C2-4BBA-9056-168D1633B3DF}"/>
+                <a16:creationId xmlns:a16="http://schemas.microsoft.com/office/drawing/2014/main" id="{2C94E3B1-9A8C-4491-A9A6-755ACB062CF4}"/>
               </a:ext>
             </a:extLst>
           </p:cNvPr>
@@ -3813,7 +5794,7 @@
           <a:p>
             <a:r>
               <a:rPr lang="en-SG" dirty="0"/>
-              <a:t>Training the Model</a:t>
+              <a:t>Data Preparation</a:t>
             </a:r>
           </a:p>
         </p:txBody>
@@ -3823,7 +5804,7 @@
           <p:cNvPr id="3" name="Content Placeholder 2">
             <a:extLst>
               <a:ext uri="{FF2B5EF4-FFF2-40B4-BE49-F238E27FC236}">
-                <a16:creationId xmlns:a16="http://schemas.microsoft.com/office/drawing/2014/main" id="{4479FDA1-4BF0-48AE-A5C5-569CC19CB18B}"/>
+                <a16:creationId xmlns:a16="http://schemas.microsoft.com/office/drawing/2014/main" id="{D3224137-5A20-45F0-8584-7EABF3EAA354}"/>
               </a:ext>
             </a:extLst>
           </p:cNvPr>
@@ -3842,14 +5823,25 @@
             <a:pPr marL="0" indent="0">
               <a:buNone/>
             </a:pPr>
-            <a:endParaRPr lang="en-SG" dirty="0"/>
+            <a:r>
+              <a:rPr lang="en-SG" dirty="0"/>
+              <a:t>Collecting band new images can be difficult and </a:t>
+            </a:r>
+            <a:r>
+              <a:rPr lang="en-SG" dirty="0" err="1"/>
+              <a:t>labourous</a:t>
+            </a:r>
+            <a:r>
+              <a:rPr lang="en-SG" dirty="0"/>
+              <a:t>, thus some images from RPS dataset was reused to speed up the process. Because someone was supposed to do it but preferred to go hang out and get drunk and when the data is sent over it isn’t 1:1 ratio</a:t>
+            </a:r>
           </a:p>
         </p:txBody>
       </p:sp>
     </p:spTree>
     <p:extLst>
       <p:ext uri="{BB962C8B-B14F-4D97-AF65-F5344CB8AC3E}">
-        <p14:creationId xmlns:p14="http://schemas.microsoft.com/office/powerpoint/2010/main" val="1779985286"/>
+        <p14:creationId xmlns:p14="http://schemas.microsoft.com/office/powerpoint/2010/main" val="2520431078"/>
       </p:ext>
     </p:extLst>
   </p:cSld>
@@ -3881,7 +5873,7 @@
           <p:cNvPr id="2" name="Title 1">
             <a:extLst>
               <a:ext uri="{FF2B5EF4-FFF2-40B4-BE49-F238E27FC236}">
-                <a16:creationId xmlns:a16="http://schemas.microsoft.com/office/drawing/2014/main" id="{63C1A0F5-E740-4012-9770-55C5815B50C9}"/>
+                <a16:creationId xmlns:a16="http://schemas.microsoft.com/office/drawing/2014/main" id="{E8C7C365-12C2-4BBA-9056-168D1633B3DF}"/>
               </a:ext>
             </a:extLst>
           </p:cNvPr>
@@ -3898,45 +5890,48 @@
           <a:lstStyle/>
           <a:p>
             <a:r>
+              <a:rPr lang="en-SG"/>
+              <a:t>Confusion Matrix</a:t>
+            </a:r>
+            <a:endParaRPr lang="en-SG" dirty="0"/>
+          </a:p>
+        </p:txBody>
+      </p:sp>
+      <p:sp>
+        <p:nvSpPr>
+          <p:cNvPr id="3" name="Content Placeholder 2">
+            <a:extLst>
+              <a:ext uri="{FF2B5EF4-FFF2-40B4-BE49-F238E27FC236}">
+                <a16:creationId xmlns:a16="http://schemas.microsoft.com/office/drawing/2014/main" id="{4479FDA1-4BF0-48AE-A5C5-569CC19CB18B}"/>
+              </a:ext>
+            </a:extLst>
+          </p:cNvPr>
+          <p:cNvSpPr>
+            <a:spLocks noGrp="1"/>
+          </p:cNvSpPr>
+          <p:nvPr>
+            <p:ph idx="1"/>
+          </p:nvPr>
+        </p:nvSpPr>
+        <p:spPr/>
+        <p:txBody>
+          <a:bodyPr/>
+          <a:lstStyle/>
+          <a:p>
+            <a:pPr marL="0" indent="0">
+              <a:buNone/>
+            </a:pPr>
+            <a:r>
               <a:rPr lang="en-SG" dirty="0"/>
-              <a:t>Evaluating the model</a:t>
-            </a:r>
-          </a:p>
-        </p:txBody>
-      </p:sp>
-      <p:pic>
-        <p:nvPicPr>
-          <p:cNvPr id="5" name="Content Placeholder 4">
-            <a:extLst>
-              <a:ext uri="{FF2B5EF4-FFF2-40B4-BE49-F238E27FC236}">
-                <a16:creationId xmlns:a16="http://schemas.microsoft.com/office/drawing/2014/main" id="{BE740CF3-8F09-4081-B91E-9CD98F7CED63}"/>
-              </a:ext>
-            </a:extLst>
-          </p:cNvPr>
-          <p:cNvPicPr>
-            <a:picLocks noGrp="1" noChangeAspect="1"/>
-          </p:cNvPicPr>
-          <p:nvPr>
-            <p:ph idx="1"/>
-          </p:nvPr>
-        </p:nvPicPr>
-        <p:blipFill>
-          <a:blip r:embed="rId2"/>
-          <a:stretch>
-            <a:fillRect/>
-          </a:stretch>
-        </p:blipFill>
-        <p:spPr>
-          <a:xfrm>
-            <a:off x="838200" y="3429000"/>
-            <a:ext cx="4371988" cy="3116443"/>
-          </a:xfrm>
-        </p:spPr>
-      </p:pic>
+              <a:t>https://stackoverflow.com/questions/50825936/confusion-matrix-on-images-in-cnn-keras</a:t>
+            </a:r>
+          </a:p>
+        </p:txBody>
+      </p:sp>
     </p:spTree>
     <p:extLst>
       <p:ext uri="{BB962C8B-B14F-4D97-AF65-F5344CB8AC3E}">
-        <p14:creationId xmlns:p14="http://schemas.microsoft.com/office/powerpoint/2010/main" val="3308464785"/>
+        <p14:creationId xmlns:p14="http://schemas.microsoft.com/office/powerpoint/2010/main" val="1779985286"/>
       </p:ext>
     </p:extLst>
   </p:cSld>
@@ -3968,6 +5963,477 @@
           <p:cNvPr id="2" name="Title 1">
             <a:extLst>
               <a:ext uri="{FF2B5EF4-FFF2-40B4-BE49-F238E27FC236}">
+                <a16:creationId xmlns:a16="http://schemas.microsoft.com/office/drawing/2014/main" id="{2616E0DB-4194-4A99-AC09-D33CF49A5569}"/>
+              </a:ext>
+            </a:extLst>
+          </p:cNvPr>
+          <p:cNvSpPr>
+            <a:spLocks noGrp="1"/>
+          </p:cNvSpPr>
+          <p:nvPr>
+            <p:ph type="title"/>
+          </p:nvPr>
+        </p:nvSpPr>
+        <p:spPr>
+          <a:xfrm>
+            <a:off x="838200" y="365125"/>
+            <a:ext cx="10515600" cy="826039"/>
+          </a:xfrm>
+        </p:spPr>
+        <p:txBody>
+          <a:bodyPr/>
+          <a:lstStyle/>
+          <a:p>
+            <a:r>
+              <a:rPr lang="en-SG" dirty="0"/>
+              <a:t>CN345 Project</a:t>
+            </a:r>
+          </a:p>
+        </p:txBody>
+      </p:sp>
+      <p:sp>
+        <p:nvSpPr>
+          <p:cNvPr id="7" name="Arrow: Bent 6">
+            <a:extLst>
+              <a:ext uri="{FF2B5EF4-FFF2-40B4-BE49-F238E27FC236}">
+                <a16:creationId xmlns:a16="http://schemas.microsoft.com/office/drawing/2014/main" id="{3D60D793-C6E8-48D8-BC50-AF0660A4DFDC}"/>
+              </a:ext>
+            </a:extLst>
+          </p:cNvPr>
+          <p:cNvSpPr/>
+          <p:nvPr/>
+        </p:nvSpPr>
+        <p:spPr>
+          <a:xfrm>
+            <a:off x="2271404" y="2533761"/>
+            <a:ext cx="1093196" cy="1431072"/>
+          </a:xfrm>
+          <a:prstGeom prst="bentArrow">
+            <a:avLst>
+              <a:gd name="adj1" fmla="val 25000"/>
+              <a:gd name="adj2" fmla="val 25000"/>
+              <a:gd name="adj3" fmla="val 29473"/>
+              <a:gd name="adj4" fmla="val 48223"/>
+            </a:avLst>
+          </a:prstGeom>
+        </p:spPr>
+        <p:style>
+          <a:lnRef idx="2">
+            <a:schemeClr val="dk1">
+              <a:shade val="50000"/>
+            </a:schemeClr>
+          </a:lnRef>
+          <a:fillRef idx="1">
+            <a:schemeClr val="dk1"/>
+          </a:fillRef>
+          <a:effectRef idx="0">
+            <a:schemeClr val="dk1"/>
+          </a:effectRef>
+          <a:fontRef idx="minor">
+            <a:schemeClr val="lt1"/>
+          </a:fontRef>
+        </p:style>
+        <p:txBody>
+          <a:bodyPr rtlCol="0" anchor="ctr"/>
+          <a:lstStyle/>
+          <a:p>
+            <a:pPr algn="ctr"/>
+            <a:endParaRPr lang="en-SG">
+              <a:solidFill>
+                <a:schemeClr val="tx1"/>
+              </a:solidFill>
+            </a:endParaRPr>
+          </a:p>
+        </p:txBody>
+      </p:sp>
+      <p:sp>
+        <p:nvSpPr>
+          <p:cNvPr id="8" name="TextBox 7">
+            <a:extLst>
+              <a:ext uri="{FF2B5EF4-FFF2-40B4-BE49-F238E27FC236}">
+                <a16:creationId xmlns:a16="http://schemas.microsoft.com/office/drawing/2014/main" id="{BD232528-70A6-4521-A524-D354F60DCECF}"/>
+              </a:ext>
+            </a:extLst>
+          </p:cNvPr>
+          <p:cNvSpPr txBox="1"/>
+          <p:nvPr/>
+        </p:nvSpPr>
+        <p:spPr>
+          <a:xfrm>
+            <a:off x="435536" y="3888877"/>
+            <a:ext cx="1577131" cy="646331"/>
+          </a:xfrm>
+          <a:prstGeom prst="rect">
+            <a:avLst/>
+          </a:prstGeom>
+          <a:noFill/>
+        </p:spPr>
+        <p:txBody>
+          <a:bodyPr wrap="square" rtlCol="0">
+            <a:spAutoFit/>
+          </a:bodyPr>
+          <a:lstStyle/>
+          <a:p>
+            <a:r>
+              <a:rPr lang="en-SG" sz="3600" b="1" dirty="0"/>
+              <a:t>CN345</a:t>
+            </a:r>
+          </a:p>
+        </p:txBody>
+      </p:sp>
+      <p:sp>
+        <p:nvSpPr>
+          <p:cNvPr id="11" name="Arrow: Right 10">
+            <a:extLst>
+              <a:ext uri="{FF2B5EF4-FFF2-40B4-BE49-F238E27FC236}">
+                <a16:creationId xmlns:a16="http://schemas.microsoft.com/office/drawing/2014/main" id="{98892B23-25A0-44B4-BBFD-DB9AC98EF5E1}"/>
+              </a:ext>
+            </a:extLst>
+          </p:cNvPr>
+          <p:cNvSpPr/>
+          <p:nvPr/>
+        </p:nvSpPr>
+        <p:spPr>
+          <a:xfrm>
+            <a:off x="2271404" y="3964832"/>
+            <a:ext cx="1093196" cy="574872"/>
+          </a:xfrm>
+          <a:prstGeom prst="rightArrow">
+            <a:avLst>
+              <a:gd name="adj1" fmla="val 50000"/>
+              <a:gd name="adj2" fmla="val 58664"/>
+            </a:avLst>
+          </a:prstGeom>
+        </p:spPr>
+        <p:style>
+          <a:lnRef idx="2">
+            <a:schemeClr val="dk1">
+              <a:shade val="50000"/>
+            </a:schemeClr>
+          </a:lnRef>
+          <a:fillRef idx="1">
+            <a:schemeClr val="dk1"/>
+          </a:fillRef>
+          <a:effectRef idx="0">
+            <a:schemeClr val="dk1"/>
+          </a:effectRef>
+          <a:fontRef idx="minor">
+            <a:schemeClr val="lt1"/>
+          </a:fontRef>
+        </p:style>
+        <p:txBody>
+          <a:bodyPr rtlCol="0" anchor="ctr"/>
+          <a:lstStyle/>
+          <a:p>
+            <a:pPr algn="ctr"/>
+            <a:endParaRPr lang="en-SG"/>
+          </a:p>
+        </p:txBody>
+      </p:sp>
+      <p:sp>
+        <p:nvSpPr>
+          <p:cNvPr id="13" name="TextBox 12">
+            <a:extLst>
+              <a:ext uri="{FF2B5EF4-FFF2-40B4-BE49-F238E27FC236}">
+                <a16:creationId xmlns:a16="http://schemas.microsoft.com/office/drawing/2014/main" id="{B3B514E9-1049-41D7-AF9A-3047C8453109}"/>
+              </a:ext>
+            </a:extLst>
+          </p:cNvPr>
+          <p:cNvSpPr txBox="1"/>
+          <p:nvPr/>
+        </p:nvSpPr>
+        <p:spPr>
+          <a:xfrm>
+            <a:off x="3527970" y="2384248"/>
+            <a:ext cx="2441283" cy="646331"/>
+          </a:xfrm>
+          <a:prstGeom prst="rect">
+            <a:avLst/>
+          </a:prstGeom>
+          <a:noFill/>
+        </p:spPr>
+        <p:txBody>
+          <a:bodyPr wrap="square" rtlCol="0">
+            <a:spAutoFit/>
+          </a:bodyPr>
+          <a:lstStyle/>
+          <a:p>
+            <a:r>
+              <a:rPr lang="en-SG" sz="3600" b="1" dirty="0"/>
+              <a:t>Auntie-DOT</a:t>
+            </a:r>
+          </a:p>
+        </p:txBody>
+      </p:sp>
+      <p:sp>
+        <p:nvSpPr>
+          <p:cNvPr id="15" name="TextBox 14">
+            <a:extLst>
+              <a:ext uri="{FF2B5EF4-FFF2-40B4-BE49-F238E27FC236}">
+                <a16:creationId xmlns:a16="http://schemas.microsoft.com/office/drawing/2014/main" id="{343673BE-72EF-458B-86E5-A6AFC35018D7}"/>
+              </a:ext>
+            </a:extLst>
+          </p:cNvPr>
+          <p:cNvSpPr txBox="1"/>
+          <p:nvPr/>
+        </p:nvSpPr>
+        <p:spPr>
+          <a:xfrm>
+            <a:off x="3620334" y="4010998"/>
+            <a:ext cx="1577131" cy="646331"/>
+          </a:xfrm>
+          <a:prstGeom prst="rect">
+            <a:avLst/>
+          </a:prstGeom>
+          <a:noFill/>
+        </p:spPr>
+        <p:txBody>
+          <a:bodyPr wrap="square" rtlCol="0">
+            <a:spAutoFit/>
+          </a:bodyPr>
+          <a:lstStyle/>
+          <a:p>
+            <a:r>
+              <a:rPr lang="zh-CN" altLang="en-US" sz="3600" dirty="0">
+                <a:latin typeface="+mn-lt"/>
+              </a:rPr>
+              <a:t>希薇娅</a:t>
+            </a:r>
+            <a:endParaRPr lang="en-SG" sz="3600" dirty="0"/>
+          </a:p>
+        </p:txBody>
+      </p:sp>
+      <p:sp>
+        <p:nvSpPr>
+          <p:cNvPr id="16" name="Arrow: Right 15">
+            <a:extLst>
+              <a:ext uri="{FF2B5EF4-FFF2-40B4-BE49-F238E27FC236}">
+                <a16:creationId xmlns:a16="http://schemas.microsoft.com/office/drawing/2014/main" id="{DC5070A4-6E40-4735-B209-F7298E12C0E3}"/>
+              </a:ext>
+            </a:extLst>
+          </p:cNvPr>
+          <p:cNvSpPr/>
+          <p:nvPr/>
+        </p:nvSpPr>
+        <p:spPr>
+          <a:xfrm>
+            <a:off x="5350635" y="3996066"/>
+            <a:ext cx="1093196" cy="574872"/>
+          </a:xfrm>
+          <a:prstGeom prst="rightArrow">
+            <a:avLst>
+              <a:gd name="adj1" fmla="val 50000"/>
+              <a:gd name="adj2" fmla="val 58664"/>
+            </a:avLst>
+          </a:prstGeom>
+        </p:spPr>
+        <p:style>
+          <a:lnRef idx="2">
+            <a:schemeClr val="dk1">
+              <a:shade val="50000"/>
+            </a:schemeClr>
+          </a:lnRef>
+          <a:fillRef idx="1">
+            <a:schemeClr val="dk1"/>
+          </a:fillRef>
+          <a:effectRef idx="0">
+            <a:schemeClr val="dk1"/>
+          </a:effectRef>
+          <a:fontRef idx="minor">
+            <a:schemeClr val="lt1"/>
+          </a:fontRef>
+        </p:style>
+        <p:txBody>
+          <a:bodyPr rtlCol="0" anchor="ctr"/>
+          <a:lstStyle/>
+          <a:p>
+            <a:pPr algn="ctr"/>
+            <a:endParaRPr lang="en-SG"/>
+          </a:p>
+        </p:txBody>
+      </p:sp>
+      <p:sp>
+        <p:nvSpPr>
+          <p:cNvPr id="18" name="TextBox 17">
+            <a:extLst>
+              <a:ext uri="{FF2B5EF4-FFF2-40B4-BE49-F238E27FC236}">
+                <a16:creationId xmlns:a16="http://schemas.microsoft.com/office/drawing/2014/main" id="{CFCB67A5-FF49-478F-8AF6-7448A7B8E764}"/>
+              </a:ext>
+            </a:extLst>
+          </p:cNvPr>
+          <p:cNvSpPr txBox="1"/>
+          <p:nvPr/>
+        </p:nvSpPr>
+        <p:spPr>
+          <a:xfrm>
+            <a:off x="6481042" y="3964832"/>
+            <a:ext cx="2024956" cy="646331"/>
+          </a:xfrm>
+          <a:prstGeom prst="rect">
+            <a:avLst/>
+          </a:prstGeom>
+          <a:noFill/>
+        </p:spPr>
+        <p:txBody>
+          <a:bodyPr wrap="square" rtlCol="0">
+            <a:spAutoFit/>
+          </a:bodyPr>
+          <a:lstStyle/>
+          <a:p>
+            <a:r>
+              <a:rPr lang="zh-CN" altLang="en-US" sz="3600" dirty="0">
+                <a:latin typeface="+mn-lt"/>
+              </a:rPr>
+              <a:t>希薇娅 </a:t>
+            </a:r>
+            <a:r>
+              <a:rPr lang="en-SG" altLang="zh-CN" sz="3600" dirty="0">
+                <a:latin typeface="+mn-lt"/>
+              </a:rPr>
+              <a:t>TI</a:t>
+            </a:r>
+            <a:endParaRPr lang="en-SG" sz="3600" dirty="0"/>
+          </a:p>
+        </p:txBody>
+      </p:sp>
+      <p:sp>
+        <p:nvSpPr>
+          <p:cNvPr id="19" name="TextBox 18">
+            <a:extLst>
+              <a:ext uri="{FF2B5EF4-FFF2-40B4-BE49-F238E27FC236}">
+                <a16:creationId xmlns:a16="http://schemas.microsoft.com/office/drawing/2014/main" id="{D0C1D9C7-CD05-4739-B2A4-99BA69782E7A}"/>
+              </a:ext>
+            </a:extLst>
+          </p:cNvPr>
+          <p:cNvSpPr txBox="1"/>
+          <p:nvPr/>
+        </p:nvSpPr>
+        <p:spPr>
+          <a:xfrm>
+            <a:off x="6721361" y="4998932"/>
+            <a:ext cx="4081780" cy="1200329"/>
+          </a:xfrm>
+          <a:prstGeom prst="rect">
+            <a:avLst/>
+          </a:prstGeom>
+          <a:noFill/>
+        </p:spPr>
+        <p:txBody>
+          <a:bodyPr wrap="square" rtlCol="0">
+            <a:spAutoFit/>
+          </a:bodyPr>
+          <a:lstStyle/>
+          <a:p>
+            <a:r>
+              <a:rPr lang="zh-CN" altLang="en-US" sz="3600" dirty="0">
+                <a:latin typeface="+mn-lt"/>
+              </a:rPr>
+              <a:t>希薇娅 </a:t>
+            </a:r>
+            <a:r>
+              <a:rPr lang="en-SG" altLang="zh-CN" sz="3600" dirty="0">
+                <a:latin typeface="+mn-lt"/>
+              </a:rPr>
+              <a:t>TI</a:t>
+            </a:r>
+          </a:p>
+          <a:p>
+            <a:r>
+              <a:rPr lang="en-SG" sz="3600" dirty="0" err="1"/>
+              <a:t>EfficientNet</a:t>
+            </a:r>
+            <a:r>
+              <a:rPr lang="en-SG" sz="3600" dirty="0"/>
+              <a:t> Variants</a:t>
+            </a:r>
+          </a:p>
+        </p:txBody>
+      </p:sp>
+      <p:sp>
+        <p:nvSpPr>
+          <p:cNvPr id="20" name="Arrow: U-Turn 19">
+            <a:extLst>
+              <a:ext uri="{FF2B5EF4-FFF2-40B4-BE49-F238E27FC236}">
+                <a16:creationId xmlns:a16="http://schemas.microsoft.com/office/drawing/2014/main" id="{CCEBCBE1-BAF1-45AA-9D09-6974F887BEF1}"/>
+              </a:ext>
+            </a:extLst>
+          </p:cNvPr>
+          <p:cNvSpPr/>
+          <p:nvPr/>
+        </p:nvSpPr>
+        <p:spPr>
+          <a:xfrm rot="5400000">
+            <a:off x="8408689" y="4272314"/>
+            <a:ext cx="1399443" cy="1093197"/>
+          </a:xfrm>
+          <a:prstGeom prst="uturnArrow">
+            <a:avLst/>
+          </a:prstGeom>
+        </p:spPr>
+        <p:style>
+          <a:lnRef idx="2">
+            <a:schemeClr val="dk1">
+              <a:shade val="50000"/>
+            </a:schemeClr>
+          </a:lnRef>
+          <a:fillRef idx="1">
+            <a:schemeClr val="dk1"/>
+          </a:fillRef>
+          <a:effectRef idx="0">
+            <a:schemeClr val="dk1"/>
+          </a:effectRef>
+          <a:fontRef idx="minor">
+            <a:schemeClr val="lt1"/>
+          </a:fontRef>
+        </p:style>
+        <p:txBody>
+          <a:bodyPr rtlCol="0" anchor="ctr"/>
+          <a:lstStyle/>
+          <a:p>
+            <a:pPr algn="ctr"/>
+            <a:endParaRPr lang="en-SG">
+              <a:solidFill>
+                <a:schemeClr val="tx1"/>
+              </a:solidFill>
+            </a:endParaRPr>
+          </a:p>
+        </p:txBody>
+      </p:sp>
+    </p:spTree>
+    <p:extLst>
+      <p:ext uri="{BB962C8B-B14F-4D97-AF65-F5344CB8AC3E}">
+        <p14:creationId xmlns:p14="http://schemas.microsoft.com/office/powerpoint/2010/main" val="4137379338"/>
+      </p:ext>
+    </p:extLst>
+  </p:cSld>
+  <p:clrMapOvr>
+    <a:masterClrMapping/>
+  </p:clrMapOvr>
+</p:sld>
+</file>
+
+<file path=ppt/slides/slide8.xml><?xml version="1.0" encoding="utf-8"?>
+<p:sld xmlns:a="http://schemas.openxmlformats.org/drawingml/2006/main" xmlns:r="http://schemas.openxmlformats.org/officeDocument/2006/relationships" xmlns:p="http://schemas.openxmlformats.org/presentationml/2006/main">
+  <p:cSld>
+    <p:spTree>
+      <p:nvGrpSpPr>
+        <p:cNvPr id="1" name=""/>
+        <p:cNvGrpSpPr/>
+        <p:nvPr/>
+      </p:nvGrpSpPr>
+      <p:grpSpPr>
+        <a:xfrm>
+          <a:off x="0" y="0"/>
+          <a:ext cx="0" cy="0"/>
+          <a:chOff x="0" y="0"/>
+          <a:chExt cx="0" cy="0"/>
+        </a:xfrm>
+      </p:grpSpPr>
+      <p:sp>
+        <p:nvSpPr>
+          <p:cNvPr id="2" name="Title 1">
+            <a:extLst>
+              <a:ext uri="{FF2B5EF4-FFF2-40B4-BE49-F238E27FC236}">
                 <a16:creationId xmlns:a16="http://schemas.microsoft.com/office/drawing/2014/main" id="{A7DA3BAE-6D02-46EC-8BEC-1C6B46594D4C}"/>
               </a:ext>
             </a:extLst>
@@ -3979,37 +6445,314 @@
             <p:ph type="title"/>
           </p:nvPr>
         </p:nvSpPr>
-        <p:spPr/>
+        <p:spPr>
+          <a:xfrm>
+            <a:off x="838200" y="78249"/>
+            <a:ext cx="10515600" cy="1325563"/>
+          </a:xfrm>
+        </p:spPr>
         <p:txBody>
           <a:bodyPr/>
           <a:lstStyle/>
           <a:p>
-            <a:endParaRPr lang="en-SG"/>
-          </a:p>
-        </p:txBody>
-      </p:sp>
-      <p:sp>
-        <p:nvSpPr>
-          <p:cNvPr id="3" name="Content Placeholder 2">
-            <a:extLst>
-              <a:ext uri="{FF2B5EF4-FFF2-40B4-BE49-F238E27FC236}">
-                <a16:creationId xmlns:a16="http://schemas.microsoft.com/office/drawing/2014/main" id="{347FA914-0D55-4BC1-9A90-E341B19B8D5A}"/>
-              </a:ext>
-            </a:extLst>
-          </p:cNvPr>
-          <p:cNvSpPr>
-            <a:spLocks noGrp="1"/>
-          </p:cNvSpPr>
-          <p:nvPr>
-            <p:ph idx="1"/>
-          </p:nvPr>
-        </p:nvSpPr>
-        <p:spPr/>
-        <p:txBody>
-          <a:bodyPr/>
-          <a:lstStyle/>
-          <a:p>
-            <a:endParaRPr lang="en-SG"/>
+            <a:pPr algn="ctr"/>
+            <a:r>
+              <a:rPr lang="en-SG" dirty="0"/>
+              <a:t>CN345</a:t>
+            </a:r>
+            <a:r>
+              <a:rPr lang="en-US" altLang="zh-CN" dirty="0"/>
+              <a:t> </a:t>
+            </a:r>
+            <a:r>
+              <a:rPr lang="zh-CN" altLang="en-US" dirty="0">
+                <a:latin typeface="+mn-lt"/>
+              </a:rPr>
+              <a:t>希薇娅</a:t>
+            </a:r>
+            <a:r>
+              <a:rPr lang="en-SG" dirty="0"/>
+              <a:t> (InceptionV3)</a:t>
+            </a:r>
+          </a:p>
+        </p:txBody>
+      </p:sp>
+      <p:sp>
+        <p:nvSpPr>
+          <p:cNvPr id="14" name="TextBox 13">
+            <a:extLst>
+              <a:ext uri="{FF2B5EF4-FFF2-40B4-BE49-F238E27FC236}">
+                <a16:creationId xmlns:a16="http://schemas.microsoft.com/office/drawing/2014/main" id="{B76EB0D5-93D8-42F0-99CA-7C40B8CFE548}"/>
+              </a:ext>
+            </a:extLst>
+          </p:cNvPr>
+          <p:cNvSpPr txBox="1"/>
+          <p:nvPr/>
+        </p:nvSpPr>
+        <p:spPr>
+          <a:xfrm>
+            <a:off x="7378438" y="1510017"/>
+            <a:ext cx="4662135" cy="646331"/>
+          </a:xfrm>
+          <a:prstGeom prst="rect">
+            <a:avLst/>
+          </a:prstGeom>
+          <a:noFill/>
+        </p:spPr>
+        <p:txBody>
+          <a:bodyPr wrap="square" rtlCol="0">
+            <a:spAutoFit/>
+          </a:bodyPr>
+          <a:lstStyle/>
+          <a:p>
+            <a:r>
+              <a:rPr lang="en-SG" dirty="0"/>
+              <a:t>CN345</a:t>
+            </a:r>
+            <a:r>
+              <a:rPr lang="en-US" altLang="zh-CN" dirty="0"/>
+              <a:t> </a:t>
+            </a:r>
+            <a:r>
+              <a:rPr lang="zh-CN" altLang="en-US" dirty="0">
+                <a:latin typeface="+mn-lt"/>
+              </a:rPr>
+              <a:t>希薇娅</a:t>
+            </a:r>
+            <a:r>
+              <a:rPr lang="en-SG" altLang="zh-CN" dirty="0">
+                <a:latin typeface="+mn-lt"/>
+              </a:rPr>
+              <a:t>(CIVIA) is based on RPS  and serves as a control setup</a:t>
+            </a:r>
+            <a:endParaRPr lang="en-SG" dirty="0"/>
+          </a:p>
+        </p:txBody>
+      </p:sp>
+      <p:sp>
+        <p:nvSpPr>
+          <p:cNvPr id="15" name="TextBox 14">
+            <a:extLst>
+              <a:ext uri="{FF2B5EF4-FFF2-40B4-BE49-F238E27FC236}">
+                <a16:creationId xmlns:a16="http://schemas.microsoft.com/office/drawing/2014/main" id="{93486E9D-9CE4-4333-8AAD-DEA998081BB4}"/>
+              </a:ext>
+            </a:extLst>
+          </p:cNvPr>
+          <p:cNvSpPr txBox="1"/>
+          <p:nvPr/>
+        </p:nvSpPr>
+        <p:spPr>
+          <a:xfrm>
+            <a:off x="7378439" y="5347983"/>
+            <a:ext cx="4662134" cy="646331"/>
+          </a:xfrm>
+          <a:prstGeom prst="rect">
+            <a:avLst/>
+          </a:prstGeom>
+          <a:noFill/>
+        </p:spPr>
+        <p:txBody>
+          <a:bodyPr wrap="square" rtlCol="0">
+            <a:spAutoFit/>
+          </a:bodyPr>
+          <a:lstStyle/>
+          <a:p>
+            <a:r>
+              <a:rPr lang="en-SG" dirty="0"/>
+              <a:t>CN345</a:t>
+            </a:r>
+            <a:r>
+              <a:rPr lang="en-US" altLang="zh-CN" dirty="0"/>
+              <a:t> </a:t>
+            </a:r>
+            <a:r>
+              <a:rPr lang="zh-CN" altLang="en-US" dirty="0">
+                <a:latin typeface="+mn-lt"/>
+              </a:rPr>
+              <a:t>希薇娅</a:t>
+            </a:r>
+            <a:r>
+              <a:rPr lang="en-SG" dirty="0"/>
+              <a:t> uses a similar dataset as CN345</a:t>
+            </a:r>
+            <a:r>
+              <a:rPr lang="en-US" altLang="zh-CN" dirty="0"/>
+              <a:t> </a:t>
+            </a:r>
+            <a:r>
+              <a:rPr lang="zh-CN" altLang="en-US" dirty="0">
+                <a:latin typeface="+mn-lt"/>
+              </a:rPr>
+              <a:t>希薇娅</a:t>
+            </a:r>
+            <a:r>
+              <a:rPr lang="en-SG" dirty="0"/>
+              <a:t> TI that only contains hand signs 3,4,5</a:t>
+            </a:r>
+          </a:p>
+        </p:txBody>
+      </p:sp>
+      <p:pic>
+        <p:nvPicPr>
+          <p:cNvPr id="17" name="Picture 16">
+            <a:extLst>
+              <a:ext uri="{FF2B5EF4-FFF2-40B4-BE49-F238E27FC236}">
+                <a16:creationId xmlns:a16="http://schemas.microsoft.com/office/drawing/2014/main" id="{BA5322FD-DCAE-4BD7-B64C-73164662C4FC}"/>
+              </a:ext>
+            </a:extLst>
+          </p:cNvPr>
+          <p:cNvPicPr>
+            <a:picLocks noChangeAspect="1"/>
+          </p:cNvPicPr>
+          <p:nvPr/>
+        </p:nvPicPr>
+        <p:blipFill>
+          <a:blip r:embed="rId2"/>
+          <a:stretch>
+            <a:fillRect/>
+          </a:stretch>
+        </p:blipFill>
+        <p:spPr>
+          <a:xfrm>
+            <a:off x="225626" y="1403812"/>
+            <a:ext cx="3395974" cy="2414529"/>
+          </a:xfrm>
+          <a:prstGeom prst="rect">
+            <a:avLst/>
+          </a:prstGeom>
+        </p:spPr>
+      </p:pic>
+      <p:pic>
+        <p:nvPicPr>
+          <p:cNvPr id="21" name="Picture 20">
+            <a:extLst>
+              <a:ext uri="{FF2B5EF4-FFF2-40B4-BE49-F238E27FC236}">
+                <a16:creationId xmlns:a16="http://schemas.microsoft.com/office/drawing/2014/main" id="{68646160-7179-4766-A68C-CD22C4789EE0}"/>
+              </a:ext>
+            </a:extLst>
+          </p:cNvPr>
+          <p:cNvPicPr>
+            <a:picLocks noChangeAspect="1"/>
+          </p:cNvPicPr>
+          <p:nvPr/>
+        </p:nvPicPr>
+        <p:blipFill>
+          <a:blip r:embed="rId3"/>
+          <a:stretch>
+            <a:fillRect/>
+          </a:stretch>
+        </p:blipFill>
+        <p:spPr>
+          <a:xfrm>
+            <a:off x="3621601" y="1403812"/>
+            <a:ext cx="3395974" cy="2414529"/>
+          </a:xfrm>
+          <a:prstGeom prst="rect">
+            <a:avLst/>
+          </a:prstGeom>
+        </p:spPr>
+      </p:pic>
+      <p:pic>
+        <p:nvPicPr>
+          <p:cNvPr id="23" name="Picture 22">
+            <a:extLst>
+              <a:ext uri="{FF2B5EF4-FFF2-40B4-BE49-F238E27FC236}">
+                <a16:creationId xmlns:a16="http://schemas.microsoft.com/office/drawing/2014/main" id="{D78BE740-6507-4AF9-8FD8-8DB464DAEBB5}"/>
+              </a:ext>
+            </a:extLst>
+          </p:cNvPr>
+          <p:cNvPicPr>
+            <a:picLocks noChangeAspect="1"/>
+          </p:cNvPicPr>
+          <p:nvPr/>
+        </p:nvPicPr>
+        <p:blipFill>
+          <a:blip r:embed="rId4"/>
+          <a:stretch>
+            <a:fillRect/>
+          </a:stretch>
+        </p:blipFill>
+        <p:spPr>
+          <a:xfrm>
+            <a:off x="225626" y="3818341"/>
+            <a:ext cx="3395974" cy="2414529"/>
+          </a:xfrm>
+          <a:prstGeom prst="rect">
+            <a:avLst/>
+          </a:prstGeom>
+        </p:spPr>
+      </p:pic>
+      <p:pic>
+        <p:nvPicPr>
+          <p:cNvPr id="25" name="Picture 24">
+            <a:extLst>
+              <a:ext uri="{FF2B5EF4-FFF2-40B4-BE49-F238E27FC236}">
+                <a16:creationId xmlns:a16="http://schemas.microsoft.com/office/drawing/2014/main" id="{F4B0E0B1-CB54-4EF7-AD40-82FC11B0A3F9}"/>
+              </a:ext>
+            </a:extLst>
+          </p:cNvPr>
+          <p:cNvPicPr>
+            <a:picLocks noChangeAspect="1"/>
+          </p:cNvPicPr>
+          <p:nvPr/>
+        </p:nvPicPr>
+        <p:blipFill>
+          <a:blip r:embed="rId5"/>
+          <a:stretch>
+            <a:fillRect/>
+          </a:stretch>
+        </p:blipFill>
+        <p:spPr>
+          <a:xfrm>
+            <a:off x="3621600" y="3818342"/>
+            <a:ext cx="3395975" cy="2414530"/>
+          </a:xfrm>
+          <a:prstGeom prst="rect">
+            <a:avLst/>
+          </a:prstGeom>
+        </p:spPr>
+      </p:pic>
+      <p:sp>
+        <p:nvSpPr>
+          <p:cNvPr id="11" name="TextBox 10">
+            <a:extLst>
+              <a:ext uri="{FF2B5EF4-FFF2-40B4-BE49-F238E27FC236}">
+                <a16:creationId xmlns:a16="http://schemas.microsoft.com/office/drawing/2014/main" id="{9CF4288E-3113-4B20-B541-685C1B7D6A00}"/>
+              </a:ext>
+            </a:extLst>
+          </p:cNvPr>
+          <p:cNvSpPr txBox="1"/>
+          <p:nvPr/>
+        </p:nvSpPr>
+        <p:spPr>
+          <a:xfrm>
+            <a:off x="7415537" y="2564122"/>
+            <a:ext cx="4587936" cy="2031325"/>
+          </a:xfrm>
+          <a:prstGeom prst="rect">
+            <a:avLst/>
+          </a:prstGeom>
+          <a:noFill/>
+        </p:spPr>
+        <p:txBody>
+          <a:bodyPr wrap="square">
+            <a:spAutoFit/>
+          </a:bodyPr>
+          <a:lstStyle/>
+          <a:p>
+            <a:r>
+              <a:rPr lang="en-SG" dirty="0"/>
+              <a:t>Based on the graphs, there is no sign of overfitting and the accuracy of validation and training do not have a wide gap.</a:t>
+            </a:r>
+          </a:p>
+          <a:p>
+            <a:endParaRPr lang="en-SG" dirty="0"/>
+          </a:p>
+          <a:p>
+            <a:r>
+              <a:rPr lang="en-SG" dirty="0"/>
+              <a:t>Because of how stable it is, it is used as a control setup, to be referenced with when facing issues with the other variants.</a:t>
+            </a:r>
           </a:p>
         </p:txBody>
       </p:sp>
@@ -4017,6 +6760,248 @@
     <p:extLst>
       <p:ext uri="{BB962C8B-B14F-4D97-AF65-F5344CB8AC3E}">
         <p14:creationId xmlns:p14="http://schemas.microsoft.com/office/powerpoint/2010/main" val="1557989166"/>
+      </p:ext>
+    </p:extLst>
+  </p:cSld>
+  <p:clrMapOvr>
+    <a:masterClrMapping/>
+  </p:clrMapOvr>
+</p:sld>
+</file>
+
+<file path=ppt/slides/slide9.xml><?xml version="1.0" encoding="utf-8"?>
+<p:sld xmlns:a="http://schemas.openxmlformats.org/drawingml/2006/main" xmlns:r="http://schemas.openxmlformats.org/officeDocument/2006/relationships" xmlns:p="http://schemas.openxmlformats.org/presentationml/2006/main">
+  <p:cSld>
+    <p:spTree>
+      <p:nvGrpSpPr>
+        <p:cNvPr id="1" name=""/>
+        <p:cNvGrpSpPr/>
+        <p:nvPr/>
+      </p:nvGrpSpPr>
+      <p:grpSpPr>
+        <a:xfrm>
+          <a:off x="0" y="0"/>
+          <a:ext cx="0" cy="0"/>
+          <a:chOff x="0" y="0"/>
+          <a:chExt cx="0" cy="0"/>
+        </a:xfrm>
+      </p:grpSpPr>
+      <p:sp>
+        <p:nvSpPr>
+          <p:cNvPr id="2" name="Title 1">
+            <a:extLst>
+              <a:ext uri="{FF2B5EF4-FFF2-40B4-BE49-F238E27FC236}">
+                <a16:creationId xmlns:a16="http://schemas.microsoft.com/office/drawing/2014/main" id="{A7DA3BAE-6D02-46EC-8BEC-1C6B46594D4C}"/>
+              </a:ext>
+            </a:extLst>
+          </p:cNvPr>
+          <p:cNvSpPr>
+            <a:spLocks noGrp="1"/>
+          </p:cNvSpPr>
+          <p:nvPr>
+            <p:ph type="title"/>
+          </p:nvPr>
+        </p:nvSpPr>
+        <p:spPr>
+          <a:xfrm>
+            <a:off x="838200" y="78249"/>
+            <a:ext cx="10515600" cy="1325563"/>
+          </a:xfrm>
+        </p:spPr>
+        <p:txBody>
+          <a:bodyPr/>
+          <a:lstStyle/>
+          <a:p>
+            <a:pPr algn="ctr"/>
+            <a:r>
+              <a:rPr lang="en-SG" dirty="0"/>
+              <a:t>CN345</a:t>
+            </a:r>
+            <a:r>
+              <a:rPr lang="en-US" altLang="zh-CN" dirty="0"/>
+              <a:t> </a:t>
+            </a:r>
+            <a:r>
+              <a:rPr lang="zh-CN" altLang="en-US" dirty="0">
+                <a:latin typeface="+mn-lt"/>
+              </a:rPr>
+              <a:t>希薇娅</a:t>
+            </a:r>
+            <a:r>
+              <a:rPr lang="en-SG" dirty="0"/>
+              <a:t> TI (InceptionV3)</a:t>
+            </a:r>
+          </a:p>
+        </p:txBody>
+      </p:sp>
+      <p:sp>
+        <p:nvSpPr>
+          <p:cNvPr id="14" name="TextBox 13">
+            <a:extLst>
+              <a:ext uri="{FF2B5EF4-FFF2-40B4-BE49-F238E27FC236}">
+                <a16:creationId xmlns:a16="http://schemas.microsoft.com/office/drawing/2014/main" id="{B76EB0D5-93D8-42F0-99CA-7C40B8CFE548}"/>
+              </a:ext>
+            </a:extLst>
+          </p:cNvPr>
+          <p:cNvSpPr txBox="1"/>
+          <p:nvPr/>
+        </p:nvSpPr>
+        <p:spPr>
+          <a:xfrm>
+            <a:off x="7383406" y="2535254"/>
+            <a:ext cx="4662135" cy="2308324"/>
+          </a:xfrm>
+          <a:prstGeom prst="rect">
+            <a:avLst/>
+          </a:prstGeom>
+          <a:noFill/>
+        </p:spPr>
+        <p:txBody>
+          <a:bodyPr wrap="square" rtlCol="0">
+            <a:spAutoFit/>
+          </a:bodyPr>
+          <a:lstStyle/>
+          <a:p>
+            <a:r>
+              <a:rPr lang="en-SG" dirty="0"/>
+              <a:t>As seen from the graphs, for some reason values for validation is always stuck at 0.100 and the values for train is all over the place and does not seem to make any sense whatsoever.</a:t>
+            </a:r>
+          </a:p>
+          <a:p>
+            <a:endParaRPr lang="en-SG" dirty="0"/>
+          </a:p>
+          <a:p>
+            <a:r>
+              <a:rPr lang="en-SG" dirty="0"/>
+              <a:t>Modification to the code has been made numerous times however results remain similar to the graphs shown here.</a:t>
+            </a:r>
+          </a:p>
+        </p:txBody>
+      </p:sp>
+      <p:pic>
+        <p:nvPicPr>
+          <p:cNvPr id="4" name="Picture 3">
+            <a:extLst>
+              <a:ext uri="{FF2B5EF4-FFF2-40B4-BE49-F238E27FC236}">
+                <a16:creationId xmlns:a16="http://schemas.microsoft.com/office/drawing/2014/main" id="{E6143B8E-F2BA-4B97-9939-F3593F4E3A24}"/>
+              </a:ext>
+            </a:extLst>
+          </p:cNvPr>
+          <p:cNvPicPr>
+            <a:picLocks noChangeAspect="1"/>
+          </p:cNvPicPr>
+          <p:nvPr/>
+        </p:nvPicPr>
+        <p:blipFill>
+          <a:blip r:embed="rId2"/>
+          <a:stretch>
+            <a:fillRect/>
+          </a:stretch>
+        </p:blipFill>
+        <p:spPr>
+          <a:xfrm>
+            <a:off x="270344" y="1451042"/>
+            <a:ext cx="3464859" cy="2426274"/>
+          </a:xfrm>
+          <a:prstGeom prst="rect">
+            <a:avLst/>
+          </a:prstGeom>
+        </p:spPr>
+      </p:pic>
+      <p:pic>
+        <p:nvPicPr>
+          <p:cNvPr id="10" name="Picture 9">
+            <a:extLst>
+              <a:ext uri="{FF2B5EF4-FFF2-40B4-BE49-F238E27FC236}">
+                <a16:creationId xmlns:a16="http://schemas.microsoft.com/office/drawing/2014/main" id="{2C2F0C92-92CF-4ECE-9F09-CB2EA82F5BAD}"/>
+              </a:ext>
+            </a:extLst>
+          </p:cNvPr>
+          <p:cNvPicPr>
+            <a:picLocks noChangeAspect="1"/>
+          </p:cNvPicPr>
+          <p:nvPr/>
+        </p:nvPicPr>
+        <p:blipFill>
+          <a:blip r:embed="rId3"/>
+          <a:stretch>
+            <a:fillRect/>
+          </a:stretch>
+        </p:blipFill>
+        <p:spPr>
+          <a:xfrm>
+            <a:off x="3824391" y="1451042"/>
+            <a:ext cx="3464859" cy="2426274"/>
+          </a:xfrm>
+          <a:prstGeom prst="rect">
+            <a:avLst/>
+          </a:prstGeom>
+        </p:spPr>
+      </p:pic>
+      <p:pic>
+        <p:nvPicPr>
+          <p:cNvPr id="15" name="Picture 14">
+            <a:extLst>
+              <a:ext uri="{FF2B5EF4-FFF2-40B4-BE49-F238E27FC236}">
+                <a16:creationId xmlns:a16="http://schemas.microsoft.com/office/drawing/2014/main" id="{DE6D0315-6B29-4E87-B74E-F4F34910F896}"/>
+              </a:ext>
+            </a:extLst>
+          </p:cNvPr>
+          <p:cNvPicPr>
+            <a:picLocks noChangeAspect="1"/>
+          </p:cNvPicPr>
+          <p:nvPr/>
+        </p:nvPicPr>
+        <p:blipFill>
+          <a:blip r:embed="rId4"/>
+          <a:stretch>
+            <a:fillRect/>
+          </a:stretch>
+        </p:blipFill>
+        <p:spPr>
+          <a:xfrm>
+            <a:off x="245930" y="3786287"/>
+            <a:ext cx="3464859" cy="2426274"/>
+          </a:xfrm>
+          <a:prstGeom prst="rect">
+            <a:avLst/>
+          </a:prstGeom>
+        </p:spPr>
+      </p:pic>
+      <p:pic>
+        <p:nvPicPr>
+          <p:cNvPr id="17" name="Picture 16">
+            <a:extLst>
+              <a:ext uri="{FF2B5EF4-FFF2-40B4-BE49-F238E27FC236}">
+                <a16:creationId xmlns:a16="http://schemas.microsoft.com/office/drawing/2014/main" id="{5BDB6D14-5887-4633-AFCA-CB4D4885EA43}"/>
+              </a:ext>
+            </a:extLst>
+          </p:cNvPr>
+          <p:cNvPicPr>
+            <a:picLocks noChangeAspect="1"/>
+          </p:cNvPicPr>
+          <p:nvPr/>
+        </p:nvPicPr>
+        <p:blipFill>
+          <a:blip r:embed="rId5"/>
+          <a:stretch>
+            <a:fillRect/>
+          </a:stretch>
+        </p:blipFill>
+        <p:spPr>
+          <a:xfrm>
+            <a:off x="3784765" y="3818341"/>
+            <a:ext cx="3549079" cy="2485249"/>
+          </a:xfrm>
+          <a:prstGeom prst="rect">
+            <a:avLst/>
+          </a:prstGeom>
+        </p:spPr>
+      </p:pic>
+    </p:spTree>
+    <p:extLst>
+      <p:ext uri="{BB962C8B-B14F-4D97-AF65-F5344CB8AC3E}">
+        <p14:creationId xmlns:p14="http://schemas.microsoft.com/office/powerpoint/2010/main" val="3257660988"/>
       </p:ext>
     </p:extLst>
   </p:cSld>
